--- a/public/index.pptx
+++ b/public/index.pptx
@@ -5,10 +5,11 @@
     <p:sldMasterId id="2147483648" r:id="rId1"/>
   </p:sldMasterIdLst>
   <p:notesMasterIdLst>
-    <p:notesMasterId r:id="rId3"/>
+    <p:notesMasterId r:id="rId4"/>
   </p:notesMasterIdLst>
   <p:sldIdLst>
     <p:sldId id="257" r:id="rId2"/>
+    <p:sldId id="258" r:id="rId3"/>
   </p:sldIdLst>
   <p:sldSz cx="12192000" cy="6858000"/>
   <p:notesSz cx="6858000" cy="9144000"/>
@@ -107,6 +108,11 @@
       </a:defRPr>
     </a:lvl9pPr>
   </p:defaultTextStyle>
+  <p:extLst>
+    <p:ext uri="{EFAFB233-063F-42B5-8137-9DF3F51BA10A}">
+      <p15:sldGuideLst xmlns:p15="http://schemas.microsoft.com/office/powerpoint/2012/main"/>
+    </p:ext>
+  </p:extLst>
 </p:presentation>
 </file>
 
@@ -192,7 +198,7 @@
           <a:p>
             <a:fld id="{4F35A71D-723A-48FA-8CC2-C736234E3109}" type="datetimeFigureOut">
               <a:rPr lang="zh-TW" altLang="en-US" smtClean="0"/>
-              <a:t>2019/4/20</a:t>
+              <a:t>2019/4/21</a:t>
             </a:fld>
             <a:endParaRPr lang="zh-TW" altLang="en-US"/>
           </a:p>
@@ -763,7 +769,7 @@
           <a:p>
             <a:fld id="{F1C9E653-4853-41E3-A231-D7AC9C2D6BA3}" type="datetimeFigureOut">
               <a:rPr lang="zh-TW" altLang="en-US" smtClean="0"/>
-              <a:t>2019/4/20</a:t>
+              <a:t>2019/4/21</a:t>
             </a:fld>
             <a:endParaRPr lang="zh-TW" altLang="en-US"/>
           </a:p>
@@ -933,7 +939,7 @@
           <a:p>
             <a:fld id="{F1C9E653-4853-41E3-A231-D7AC9C2D6BA3}" type="datetimeFigureOut">
               <a:rPr lang="zh-TW" altLang="en-US" smtClean="0"/>
-              <a:t>2019/4/20</a:t>
+              <a:t>2019/4/21</a:t>
             </a:fld>
             <a:endParaRPr lang="zh-TW" altLang="en-US"/>
           </a:p>
@@ -1113,7 +1119,7 @@
           <a:p>
             <a:fld id="{F1C9E653-4853-41E3-A231-D7AC9C2D6BA3}" type="datetimeFigureOut">
               <a:rPr lang="zh-TW" altLang="en-US" smtClean="0"/>
-              <a:t>2019/4/20</a:t>
+              <a:t>2019/4/21</a:t>
             </a:fld>
             <a:endParaRPr lang="zh-TW" altLang="en-US"/>
           </a:p>
@@ -1283,7 +1289,7 @@
           <a:p>
             <a:fld id="{F1C9E653-4853-41E3-A231-D7AC9C2D6BA3}" type="datetimeFigureOut">
               <a:rPr lang="zh-TW" altLang="en-US" smtClean="0"/>
-              <a:t>2019/4/20</a:t>
+              <a:t>2019/4/21</a:t>
             </a:fld>
             <a:endParaRPr lang="zh-TW" altLang="en-US"/>
           </a:p>
@@ -1529,7 +1535,7 @@
           <a:p>
             <a:fld id="{F1C9E653-4853-41E3-A231-D7AC9C2D6BA3}" type="datetimeFigureOut">
               <a:rPr lang="zh-TW" altLang="en-US" smtClean="0"/>
-              <a:t>2019/4/20</a:t>
+              <a:t>2019/4/21</a:t>
             </a:fld>
             <a:endParaRPr lang="zh-TW" altLang="en-US"/>
           </a:p>
@@ -1761,7 +1767,7 @@
           <a:p>
             <a:fld id="{F1C9E653-4853-41E3-A231-D7AC9C2D6BA3}" type="datetimeFigureOut">
               <a:rPr lang="zh-TW" altLang="en-US" smtClean="0"/>
-              <a:t>2019/4/20</a:t>
+              <a:t>2019/4/21</a:t>
             </a:fld>
             <a:endParaRPr lang="zh-TW" altLang="en-US"/>
           </a:p>
@@ -2128,7 +2134,7 @@
           <a:p>
             <a:fld id="{F1C9E653-4853-41E3-A231-D7AC9C2D6BA3}" type="datetimeFigureOut">
               <a:rPr lang="zh-TW" altLang="en-US" smtClean="0"/>
-              <a:t>2019/4/20</a:t>
+              <a:t>2019/4/21</a:t>
             </a:fld>
             <a:endParaRPr lang="zh-TW" altLang="en-US"/>
           </a:p>
@@ -2246,7 +2252,7 @@
           <a:p>
             <a:fld id="{F1C9E653-4853-41E3-A231-D7AC9C2D6BA3}" type="datetimeFigureOut">
               <a:rPr lang="zh-TW" altLang="en-US" smtClean="0"/>
-              <a:t>2019/4/20</a:t>
+              <a:t>2019/4/21</a:t>
             </a:fld>
             <a:endParaRPr lang="zh-TW" altLang="en-US"/>
           </a:p>
@@ -2341,7 +2347,7 @@
           <a:p>
             <a:fld id="{F1C9E653-4853-41E3-A231-D7AC9C2D6BA3}" type="datetimeFigureOut">
               <a:rPr lang="zh-TW" altLang="en-US" smtClean="0"/>
-              <a:t>2019/4/20</a:t>
+              <a:t>2019/4/21</a:t>
             </a:fld>
             <a:endParaRPr lang="zh-TW" altLang="en-US"/>
           </a:p>
@@ -2618,7 +2624,7 @@
           <a:p>
             <a:fld id="{F1C9E653-4853-41E3-A231-D7AC9C2D6BA3}" type="datetimeFigureOut">
               <a:rPr lang="zh-TW" altLang="en-US" smtClean="0"/>
-              <a:t>2019/4/20</a:t>
+              <a:t>2019/4/21</a:t>
             </a:fld>
             <a:endParaRPr lang="zh-TW" altLang="en-US"/>
           </a:p>
@@ -2871,7 +2877,7 @@
           <a:p>
             <a:fld id="{F1C9E653-4853-41E3-A231-D7AC9C2D6BA3}" type="datetimeFigureOut">
               <a:rPr lang="zh-TW" altLang="en-US" smtClean="0"/>
-              <a:t>2019/4/20</a:t>
+              <a:t>2019/4/21</a:t>
             </a:fld>
             <a:endParaRPr lang="zh-TW" altLang="en-US"/>
           </a:p>
@@ -3084,7 +3090,7 @@
           <a:p>
             <a:fld id="{F1C9E653-4853-41E3-A231-D7AC9C2D6BA3}" type="datetimeFigureOut">
               <a:rPr lang="zh-TW" altLang="en-US" smtClean="0"/>
-              <a:t>2019/4/20</a:t>
+              <a:t>2019/4/21</a:t>
             </a:fld>
             <a:endParaRPr lang="zh-TW" altLang="en-US"/>
           </a:p>
@@ -3491,900 +3497,13 @@
       </p:grpSpPr>
       <p:grpSp>
         <p:nvGrpSpPr>
-          <p:cNvPr id="36" name="群組 35"/>
-          <p:cNvGrpSpPr/>
-          <p:nvPr/>
-        </p:nvGrpSpPr>
-        <p:grpSpPr>
-          <a:xfrm>
-            <a:off x="5888734" y="739539"/>
-            <a:ext cx="5998466" cy="4289661"/>
-            <a:chOff x="5888734" y="739539"/>
-            <a:chExt cx="5998466" cy="4289661"/>
-          </a:xfrm>
-        </p:grpSpPr>
-        <p:sp>
-          <p:nvSpPr>
-            <p:cNvPr id="7" name="矩形 6"/>
-            <p:cNvSpPr/>
-            <p:nvPr/>
-          </p:nvSpPr>
-          <p:spPr>
-            <a:xfrm>
-              <a:off x="5888735" y="786384"/>
-              <a:ext cx="5998464" cy="1828800"/>
-            </a:xfrm>
-            <a:prstGeom prst="rect">
-              <a:avLst/>
-            </a:prstGeom>
-            <a:solidFill>
-              <a:schemeClr val="bg1"/>
-            </a:solidFill>
-            <a:ln>
-              <a:solidFill>
-                <a:schemeClr val="tx1"/>
-              </a:solidFill>
-            </a:ln>
-          </p:spPr>
-          <p:style>
-            <a:lnRef idx="2">
-              <a:schemeClr val="accent1">
-                <a:shade val="50000"/>
-              </a:schemeClr>
-            </a:lnRef>
-            <a:fillRef idx="1">
-              <a:schemeClr val="accent1"/>
-            </a:fillRef>
-            <a:effectRef idx="0">
-              <a:schemeClr val="accent1"/>
-            </a:effectRef>
-            <a:fontRef idx="minor">
-              <a:schemeClr val="lt1"/>
-            </a:fontRef>
-          </p:style>
-          <p:txBody>
-            <a:bodyPr rtlCol="0" anchor="ctr"/>
-            <a:lstStyle/>
-            <a:p>
-              <a:endParaRPr lang="zh-TW" altLang="en-US" dirty="0">
-                <a:solidFill>
-                  <a:srgbClr val="002060"/>
-                </a:solidFill>
-              </a:endParaRPr>
-            </a:p>
-          </p:txBody>
-        </p:sp>
-        <p:sp>
-          <p:nvSpPr>
-            <p:cNvPr id="8" name="矩形 7"/>
-            <p:cNvSpPr/>
-            <p:nvPr/>
-          </p:nvSpPr>
-          <p:spPr>
-            <a:xfrm>
-              <a:off x="5888736" y="2615184"/>
-              <a:ext cx="5998464" cy="2414016"/>
-            </a:xfrm>
-            <a:prstGeom prst="rect">
-              <a:avLst/>
-            </a:prstGeom>
-            <a:solidFill>
-              <a:schemeClr val="bg1"/>
-            </a:solidFill>
-            <a:ln>
-              <a:solidFill>
-                <a:schemeClr val="tx1"/>
-              </a:solidFill>
-            </a:ln>
-          </p:spPr>
-          <p:style>
-            <a:lnRef idx="2">
-              <a:schemeClr val="accent1">
-                <a:shade val="50000"/>
-              </a:schemeClr>
-            </a:lnRef>
-            <a:fillRef idx="1">
-              <a:schemeClr val="accent1"/>
-            </a:fillRef>
-            <a:effectRef idx="0">
-              <a:schemeClr val="accent1"/>
-            </a:effectRef>
-            <a:fontRef idx="minor">
-              <a:schemeClr val="lt1"/>
-            </a:fontRef>
-          </p:style>
-          <p:txBody>
-            <a:bodyPr rtlCol="0" anchor="ctr"/>
-            <a:lstStyle/>
-            <a:p>
-              <a:r>
-                <a:rPr lang="en-US" altLang="zh-TW" dirty="0" smtClean="0">
-                  <a:solidFill>
-                    <a:schemeClr val="bg1">
-                      <a:lumMod val="65000"/>
-                    </a:schemeClr>
-                  </a:solidFill>
-                </a:rPr>
-                <a:t>16:37</a:t>
-              </a:r>
-              <a:r>
-                <a:rPr lang="zh-TW" altLang="en-US" dirty="0" smtClean="0">
-                  <a:solidFill>
-                    <a:schemeClr val="tx1"/>
-                  </a:solidFill>
-                </a:rPr>
-                <a:t> 玩家</a:t>
-              </a:r>
-              <a:r>
-                <a:rPr lang="en-US" altLang="zh-TW" dirty="0" smtClean="0">
-                  <a:solidFill>
-                    <a:schemeClr val="tx1"/>
-                  </a:solidFill>
-                </a:rPr>
-                <a:t>1</a:t>
-              </a:r>
-              <a:r>
-                <a:rPr lang="zh-TW" altLang="en-US" dirty="0" smtClean="0">
-                  <a:solidFill>
-                    <a:schemeClr val="tx1"/>
-                  </a:solidFill>
-                </a:rPr>
-                <a:t> </a:t>
-              </a:r>
-              <a:endParaRPr lang="en-US" altLang="zh-TW" dirty="0" smtClean="0">
-                <a:solidFill>
-                  <a:schemeClr val="tx1"/>
-                </a:solidFill>
-              </a:endParaRPr>
-            </a:p>
-            <a:p>
-              <a:r>
-                <a:rPr lang="en-US" altLang="zh-TW" dirty="0" smtClean="0">
-                  <a:solidFill>
-                    <a:schemeClr val="bg1">
-                      <a:lumMod val="65000"/>
-                    </a:schemeClr>
-                  </a:solidFill>
-                </a:rPr>
-                <a:t>16:39</a:t>
-              </a:r>
-              <a:r>
-                <a:rPr lang="zh-TW" altLang="en-US" dirty="0" smtClean="0">
-                  <a:solidFill>
-                    <a:schemeClr val="tx1"/>
-                  </a:solidFill>
-                </a:rPr>
-                <a:t> 玩家</a:t>
-              </a:r>
-              <a:r>
-                <a:rPr lang="en-US" altLang="zh-TW" dirty="0">
-                  <a:solidFill>
-                    <a:schemeClr val="tx1"/>
-                  </a:solidFill>
-                </a:rPr>
-                <a:t>2</a:t>
-              </a:r>
-              <a:endParaRPr lang="zh-TW" altLang="en-US" dirty="0" smtClean="0">
-                <a:solidFill>
-                  <a:schemeClr val="tx1"/>
-                </a:solidFill>
-              </a:endParaRPr>
-            </a:p>
-            <a:p>
-              <a:r>
-                <a:rPr lang="en-US" altLang="zh-TW" dirty="0" smtClean="0">
-                  <a:solidFill>
-                    <a:schemeClr val="bg1">
-                      <a:lumMod val="65000"/>
-                    </a:schemeClr>
-                  </a:solidFill>
-                </a:rPr>
-                <a:t>16:42</a:t>
-              </a:r>
-              <a:r>
-                <a:rPr lang="zh-TW" altLang="en-US" dirty="0" smtClean="0">
-                  <a:solidFill>
-                    <a:schemeClr val="tx1"/>
-                  </a:solidFill>
-                </a:rPr>
-                <a:t> 玩家</a:t>
-              </a:r>
-              <a:r>
-                <a:rPr lang="en-US" altLang="zh-TW" dirty="0">
-                  <a:solidFill>
-                    <a:schemeClr val="tx1"/>
-                  </a:solidFill>
-                </a:rPr>
-                <a:t>1</a:t>
-              </a:r>
-              <a:endParaRPr lang="zh-TW" altLang="en-US" dirty="0" smtClean="0">
-                <a:solidFill>
-                  <a:schemeClr val="tx1"/>
-                </a:solidFill>
-              </a:endParaRPr>
-            </a:p>
-            <a:p>
-              <a:r>
-                <a:rPr lang="en-US" altLang="zh-TW" dirty="0" smtClean="0">
-                  <a:solidFill>
-                    <a:schemeClr val="bg1">
-                      <a:lumMod val="65000"/>
-                    </a:schemeClr>
-                  </a:solidFill>
-                </a:rPr>
-                <a:t>16:42</a:t>
-              </a:r>
-              <a:r>
-                <a:rPr lang="zh-TW" altLang="en-US" dirty="0" smtClean="0">
-                  <a:solidFill>
-                    <a:schemeClr val="tx1"/>
-                  </a:solidFill>
-                </a:rPr>
-                <a:t> 玩家</a:t>
-              </a:r>
-              <a:r>
-                <a:rPr lang="en-US" altLang="zh-TW" dirty="0">
-                  <a:solidFill>
-                    <a:schemeClr val="tx1"/>
-                  </a:solidFill>
-                </a:rPr>
-                <a:t>5</a:t>
-              </a:r>
-              <a:endParaRPr lang="zh-TW" altLang="en-US" dirty="0" smtClean="0">
-                <a:solidFill>
-                  <a:schemeClr val="tx1"/>
-                </a:solidFill>
-              </a:endParaRPr>
-            </a:p>
-            <a:p>
-              <a:r>
-                <a:rPr lang="en-US" altLang="zh-TW" dirty="0" smtClean="0">
-                  <a:solidFill>
-                    <a:schemeClr val="bg1">
-                      <a:lumMod val="65000"/>
-                    </a:schemeClr>
-                  </a:solidFill>
-                </a:rPr>
-                <a:t>16:43</a:t>
-              </a:r>
-              <a:r>
-                <a:rPr lang="zh-TW" altLang="en-US" dirty="0" smtClean="0">
-                  <a:solidFill>
-                    <a:schemeClr val="tx1"/>
-                  </a:solidFill>
-                </a:rPr>
-                <a:t> 玩家</a:t>
-              </a:r>
-              <a:r>
-                <a:rPr lang="en-US" altLang="zh-TW" dirty="0">
-                  <a:solidFill>
-                    <a:schemeClr val="tx1"/>
-                  </a:solidFill>
-                </a:rPr>
-                <a:t>6</a:t>
-              </a:r>
-              <a:endParaRPr lang="zh-TW" altLang="en-US" dirty="0" smtClean="0">
-                <a:solidFill>
-                  <a:schemeClr val="tx1"/>
-                </a:solidFill>
-              </a:endParaRPr>
-            </a:p>
-            <a:p>
-              <a:r>
-                <a:rPr lang="en-US" altLang="zh-TW" dirty="0" smtClean="0">
-                  <a:solidFill>
-                    <a:schemeClr val="bg1">
-                      <a:lumMod val="65000"/>
-                    </a:schemeClr>
-                  </a:solidFill>
-                </a:rPr>
-                <a:t>16:52</a:t>
-              </a:r>
-              <a:r>
-                <a:rPr lang="zh-TW" altLang="en-US" dirty="0" smtClean="0">
-                  <a:solidFill>
-                    <a:schemeClr val="tx1"/>
-                  </a:solidFill>
-                </a:rPr>
-                <a:t> 玩家</a:t>
-              </a:r>
-              <a:r>
-                <a:rPr lang="en-US" altLang="zh-TW" dirty="0" smtClean="0">
-                  <a:solidFill>
-                    <a:schemeClr val="tx1"/>
-                  </a:solidFill>
-                </a:rPr>
-                <a:t>4</a:t>
-              </a:r>
-            </a:p>
-            <a:p>
-              <a:r>
-                <a:rPr lang="en-US" altLang="zh-TW" dirty="0" smtClean="0">
-                  <a:solidFill>
-                    <a:schemeClr val="tx1"/>
-                  </a:solidFill>
-                </a:rPr>
-                <a:t>-----------------------------------</a:t>
-              </a:r>
-              <a:r>
-                <a:rPr lang="zh-TW" altLang="en-US" dirty="0" smtClean="0">
-                  <a:solidFill>
-                    <a:schemeClr val="tx1"/>
-                  </a:solidFill>
-                </a:rPr>
-                <a:t>未讀訊息</a:t>
-              </a:r>
-              <a:r>
-                <a:rPr lang="en-US" altLang="zh-TW" dirty="0" smtClean="0">
-                  <a:solidFill>
-                    <a:schemeClr val="tx1"/>
-                  </a:solidFill>
-                </a:rPr>
-                <a:t>-----------------------------------</a:t>
-              </a:r>
-              <a:endParaRPr lang="zh-TW" altLang="en-US" dirty="0" smtClean="0">
-                <a:solidFill>
-                  <a:schemeClr val="tx1"/>
-                </a:solidFill>
-              </a:endParaRPr>
-            </a:p>
-            <a:p>
-              <a:endParaRPr lang="zh-TW" altLang="en-US" dirty="0">
-                <a:solidFill>
-                  <a:schemeClr val="tx1"/>
-                </a:solidFill>
-              </a:endParaRPr>
-            </a:p>
-          </p:txBody>
-        </p:sp>
-        <p:sp>
-          <p:nvSpPr>
-            <p:cNvPr id="9" name="文字方塊 8"/>
-            <p:cNvSpPr txBox="1"/>
-            <p:nvPr/>
-          </p:nvSpPr>
-          <p:spPr>
-            <a:xfrm>
-              <a:off x="8362022" y="1527262"/>
-              <a:ext cx="1051891" cy="923330"/>
-            </a:xfrm>
-            <a:prstGeom prst="rect">
-              <a:avLst/>
-            </a:prstGeom>
-            <a:noFill/>
-          </p:spPr>
-          <p:txBody>
-            <a:bodyPr wrap="none" rtlCol="0">
-              <a:spAutoFit/>
-            </a:bodyPr>
-            <a:lstStyle/>
-            <a:p>
-              <a:pPr marL="285750" indent="-285750">
-                <a:buFont typeface="Arial" panose="020B0604020202020204" pitchFamily="34" charset="0"/>
-                <a:buChar char="•"/>
-              </a:pPr>
-              <a:r>
-                <a:rPr lang="zh-TW" altLang="en-US" dirty="0" smtClean="0">
-                  <a:solidFill>
-                    <a:schemeClr val="accent6">
-                      <a:lumMod val="60000"/>
-                      <a:lumOff val="40000"/>
-                    </a:schemeClr>
-                  </a:solidFill>
-                </a:rPr>
-                <a:t>玩家</a:t>
-              </a:r>
-              <a:r>
-                <a:rPr lang="en-US" altLang="zh-TW" dirty="0" smtClean="0">
-                  <a:solidFill>
-                    <a:schemeClr val="accent6">
-                      <a:lumMod val="60000"/>
-                      <a:lumOff val="40000"/>
-                    </a:schemeClr>
-                  </a:solidFill>
-                </a:rPr>
-                <a:t>4</a:t>
-              </a:r>
-            </a:p>
-            <a:p>
-              <a:pPr marL="285750" indent="-285750">
-                <a:buFont typeface="Arial" panose="020B0604020202020204" pitchFamily="34" charset="0"/>
-                <a:buChar char="•"/>
-              </a:pPr>
-              <a:r>
-                <a:rPr lang="zh-TW" altLang="en-US" dirty="0" smtClean="0">
-                  <a:solidFill>
-                    <a:schemeClr val="accent6">
-                      <a:lumMod val="60000"/>
-                      <a:lumOff val="40000"/>
-                    </a:schemeClr>
-                  </a:solidFill>
-                </a:rPr>
-                <a:t>玩家</a:t>
-              </a:r>
-              <a:r>
-                <a:rPr lang="en-US" altLang="zh-TW" dirty="0" smtClean="0">
-                  <a:solidFill>
-                    <a:schemeClr val="accent6">
-                      <a:lumMod val="60000"/>
-                      <a:lumOff val="40000"/>
-                    </a:schemeClr>
-                  </a:solidFill>
-                </a:rPr>
-                <a:t>5</a:t>
-              </a:r>
-            </a:p>
-            <a:p>
-              <a:pPr marL="285750" indent="-285750">
-                <a:buFont typeface="Arial" panose="020B0604020202020204" pitchFamily="34" charset="0"/>
-                <a:buChar char="•"/>
-              </a:pPr>
-              <a:r>
-                <a:rPr lang="zh-TW" altLang="en-US" dirty="0" smtClean="0">
-                  <a:solidFill>
-                    <a:schemeClr val="accent6">
-                      <a:lumMod val="60000"/>
-                      <a:lumOff val="40000"/>
-                    </a:schemeClr>
-                  </a:solidFill>
-                </a:rPr>
-                <a:t>玩家</a:t>
-              </a:r>
-              <a:r>
-                <a:rPr lang="en-US" altLang="zh-TW" dirty="0" smtClean="0">
-                  <a:solidFill>
-                    <a:schemeClr val="accent6">
-                      <a:lumMod val="60000"/>
-                      <a:lumOff val="40000"/>
-                    </a:schemeClr>
-                  </a:solidFill>
-                </a:rPr>
-                <a:t>6</a:t>
-              </a:r>
-              <a:endParaRPr lang="zh-TW" altLang="en-US" dirty="0">
-                <a:solidFill>
-                  <a:schemeClr val="accent6">
-                    <a:lumMod val="60000"/>
-                    <a:lumOff val="40000"/>
-                  </a:schemeClr>
-                </a:solidFill>
-              </a:endParaRPr>
-            </a:p>
-          </p:txBody>
-        </p:sp>
-        <p:sp>
-          <p:nvSpPr>
-            <p:cNvPr id="10" name="文字方塊 9"/>
-            <p:cNvSpPr txBox="1"/>
-            <p:nvPr/>
-          </p:nvSpPr>
-          <p:spPr>
-            <a:xfrm>
-              <a:off x="6073488" y="1527262"/>
-              <a:ext cx="1051891" cy="923330"/>
-            </a:xfrm>
-            <a:prstGeom prst="rect">
-              <a:avLst/>
-            </a:prstGeom>
-            <a:noFill/>
-          </p:spPr>
-          <p:txBody>
-            <a:bodyPr wrap="none" rtlCol="0">
-              <a:spAutoFit/>
-            </a:bodyPr>
-            <a:lstStyle/>
-            <a:p>
-              <a:pPr marL="285750" indent="-285750">
-                <a:buFont typeface="Arial" panose="020B0604020202020204" pitchFamily="34" charset="0"/>
-                <a:buChar char="•"/>
-              </a:pPr>
-              <a:r>
-                <a:rPr lang="zh-TW" altLang="en-US" dirty="0" smtClean="0">
-                  <a:solidFill>
-                    <a:schemeClr val="accent6">
-                      <a:lumMod val="60000"/>
-                      <a:lumOff val="40000"/>
-                    </a:schemeClr>
-                  </a:solidFill>
-                </a:rPr>
-                <a:t>玩家</a:t>
-              </a:r>
-              <a:r>
-                <a:rPr lang="en-US" altLang="zh-TW" dirty="0" smtClean="0">
-                  <a:solidFill>
-                    <a:schemeClr val="accent6">
-                      <a:lumMod val="60000"/>
-                      <a:lumOff val="40000"/>
-                    </a:schemeClr>
-                  </a:solidFill>
-                </a:rPr>
-                <a:t>1</a:t>
-              </a:r>
-            </a:p>
-            <a:p>
-              <a:pPr marL="285750" indent="-285750">
-                <a:buFont typeface="Arial" panose="020B0604020202020204" pitchFamily="34" charset="0"/>
-                <a:buChar char="•"/>
-              </a:pPr>
-              <a:r>
-                <a:rPr lang="zh-TW" altLang="en-US" dirty="0" smtClean="0">
-                  <a:solidFill>
-                    <a:schemeClr val="accent6">
-                      <a:lumMod val="60000"/>
-                      <a:lumOff val="40000"/>
-                    </a:schemeClr>
-                  </a:solidFill>
-                </a:rPr>
-                <a:t>玩家</a:t>
-              </a:r>
-              <a:r>
-                <a:rPr lang="en-US" altLang="zh-TW" dirty="0">
-                  <a:solidFill>
-                    <a:schemeClr val="accent6">
-                      <a:lumMod val="60000"/>
-                      <a:lumOff val="40000"/>
-                    </a:schemeClr>
-                  </a:solidFill>
-                </a:rPr>
-                <a:t>2</a:t>
-              </a:r>
-              <a:endParaRPr lang="en-US" altLang="zh-TW" dirty="0" smtClean="0">
-                <a:solidFill>
-                  <a:schemeClr val="accent6">
-                    <a:lumMod val="60000"/>
-                    <a:lumOff val="40000"/>
-                  </a:schemeClr>
-                </a:solidFill>
-              </a:endParaRPr>
-            </a:p>
-            <a:p>
-              <a:pPr marL="285750" indent="-285750">
-                <a:buFont typeface="Arial" panose="020B0604020202020204" pitchFamily="34" charset="0"/>
-                <a:buChar char="•"/>
-              </a:pPr>
-              <a:r>
-                <a:rPr lang="zh-TW" altLang="en-US" dirty="0" smtClean="0">
-                  <a:solidFill>
-                    <a:srgbClr val="FF0000"/>
-                  </a:solidFill>
-                </a:rPr>
-                <a:t>玩家</a:t>
-              </a:r>
-              <a:r>
-                <a:rPr lang="en-US" altLang="zh-TW" dirty="0" smtClean="0">
-                  <a:solidFill>
-                    <a:srgbClr val="FF0000"/>
-                  </a:solidFill>
-                </a:rPr>
-                <a:t>3</a:t>
-              </a:r>
-              <a:endParaRPr lang="zh-TW" altLang="en-US" dirty="0">
-                <a:solidFill>
-                  <a:srgbClr val="FF0000"/>
-                </a:solidFill>
-              </a:endParaRPr>
-            </a:p>
-          </p:txBody>
-        </p:sp>
-        <p:sp>
-          <p:nvSpPr>
-            <p:cNvPr id="11" name="文字方塊 10"/>
-            <p:cNvSpPr txBox="1"/>
-            <p:nvPr/>
-          </p:nvSpPr>
-          <p:spPr>
-            <a:xfrm>
-              <a:off x="10650556" y="1527262"/>
-              <a:ext cx="1051891" cy="646331"/>
-            </a:xfrm>
-            <a:prstGeom prst="rect">
-              <a:avLst/>
-            </a:prstGeom>
-            <a:noFill/>
-          </p:spPr>
-          <p:txBody>
-            <a:bodyPr wrap="none" rtlCol="0">
-              <a:spAutoFit/>
-            </a:bodyPr>
-            <a:lstStyle/>
-            <a:p>
-              <a:pPr marL="285750" indent="-285750">
-                <a:buFont typeface="Arial" panose="020B0604020202020204" pitchFamily="34" charset="0"/>
-                <a:buChar char="•"/>
-              </a:pPr>
-              <a:r>
-                <a:rPr lang="zh-TW" altLang="en-US" dirty="0" smtClean="0">
-                  <a:solidFill>
-                    <a:schemeClr val="bg2">
-                      <a:lumMod val="75000"/>
-                    </a:schemeClr>
-                  </a:solidFill>
-                </a:rPr>
-                <a:t>玩家</a:t>
-              </a:r>
-              <a:r>
-                <a:rPr lang="en-US" altLang="zh-TW" dirty="0">
-                  <a:solidFill>
-                    <a:schemeClr val="bg2">
-                      <a:lumMod val="75000"/>
-                    </a:schemeClr>
-                  </a:solidFill>
-                </a:rPr>
-                <a:t>7</a:t>
-              </a:r>
-              <a:endParaRPr lang="en-US" altLang="zh-TW" dirty="0" smtClean="0">
-                <a:solidFill>
-                  <a:schemeClr val="bg2">
-                    <a:lumMod val="75000"/>
-                  </a:schemeClr>
-                </a:solidFill>
-              </a:endParaRPr>
-            </a:p>
-            <a:p>
-              <a:pPr marL="285750" indent="-285750">
-                <a:buFont typeface="Arial" panose="020B0604020202020204" pitchFamily="34" charset="0"/>
-                <a:buChar char="•"/>
-              </a:pPr>
-              <a:r>
-                <a:rPr lang="zh-TW" altLang="en-US" dirty="0" smtClean="0">
-                  <a:solidFill>
-                    <a:schemeClr val="bg2">
-                      <a:lumMod val="75000"/>
-                    </a:schemeClr>
-                  </a:solidFill>
-                </a:rPr>
-                <a:t>玩家</a:t>
-              </a:r>
-              <a:r>
-                <a:rPr lang="en-US" altLang="zh-TW" dirty="0">
-                  <a:solidFill>
-                    <a:schemeClr val="bg2">
-                      <a:lumMod val="75000"/>
-                    </a:schemeClr>
-                  </a:solidFill>
-                </a:rPr>
-                <a:t>8</a:t>
-              </a:r>
-              <a:endParaRPr lang="zh-TW" altLang="en-US" dirty="0">
-                <a:solidFill>
-                  <a:schemeClr val="bg2">
-                    <a:lumMod val="75000"/>
-                  </a:schemeClr>
-                </a:solidFill>
-              </a:endParaRPr>
-            </a:p>
-          </p:txBody>
-        </p:sp>
-        <p:sp>
-          <p:nvSpPr>
-            <p:cNvPr id="12" name="矩形 11"/>
-            <p:cNvSpPr/>
-            <p:nvPr/>
-          </p:nvSpPr>
-          <p:spPr>
-            <a:xfrm>
-              <a:off x="5888734" y="739539"/>
-              <a:ext cx="5998465" cy="566928"/>
-            </a:xfrm>
-            <a:prstGeom prst="rect">
-              <a:avLst/>
-            </a:prstGeom>
-            <a:solidFill>
-              <a:schemeClr val="bg1"/>
-            </a:solidFill>
-            <a:ln>
-              <a:solidFill>
-                <a:schemeClr val="tx1"/>
-              </a:solidFill>
-            </a:ln>
-          </p:spPr>
-          <p:style>
-            <a:lnRef idx="2">
-              <a:schemeClr val="accent1">
-                <a:shade val="50000"/>
-              </a:schemeClr>
-            </a:lnRef>
-            <a:fillRef idx="1">
-              <a:schemeClr val="accent1"/>
-            </a:fillRef>
-            <a:effectRef idx="0">
-              <a:schemeClr val="accent1"/>
-            </a:effectRef>
-            <a:fontRef idx="minor">
-              <a:schemeClr val="lt1"/>
-            </a:fontRef>
-          </p:style>
-          <p:txBody>
-            <a:bodyPr rtlCol="0" anchor="ctr"/>
-            <a:lstStyle/>
-            <a:p>
-              <a:pPr algn="ctr"/>
-              <a:r>
-                <a:rPr lang="zh-TW" altLang="en-US" dirty="0" smtClean="0">
-                  <a:solidFill>
-                    <a:schemeClr val="tx1"/>
-                  </a:solidFill>
-                </a:rPr>
-                <a:t>玩家列表</a:t>
-              </a:r>
-              <a:endParaRPr lang="zh-TW" altLang="en-US" dirty="0">
-                <a:solidFill>
-                  <a:schemeClr val="tx1"/>
-                </a:solidFill>
-              </a:endParaRPr>
-            </a:p>
-          </p:txBody>
-        </p:sp>
-      </p:grpSp>
-      <p:grpSp>
-        <p:nvGrpSpPr>
-          <p:cNvPr id="37" name="群組 36"/>
-          <p:cNvGrpSpPr/>
-          <p:nvPr/>
-        </p:nvGrpSpPr>
-        <p:grpSpPr>
-          <a:xfrm>
-            <a:off x="5888736" y="5321808"/>
-            <a:ext cx="5998464" cy="658368"/>
-            <a:chOff x="5888736" y="5321808"/>
-            <a:chExt cx="5998464" cy="658368"/>
-          </a:xfrm>
-        </p:grpSpPr>
-        <p:sp>
-          <p:nvSpPr>
-            <p:cNvPr id="5" name="矩形 4"/>
-            <p:cNvSpPr/>
-            <p:nvPr/>
-          </p:nvSpPr>
-          <p:spPr>
-            <a:xfrm>
-              <a:off x="5888736" y="5321808"/>
-              <a:ext cx="5998464" cy="658368"/>
-            </a:xfrm>
-            <a:prstGeom prst="rect">
-              <a:avLst/>
-            </a:prstGeom>
-            <a:solidFill>
-              <a:schemeClr val="bg1"/>
-            </a:solidFill>
-            <a:ln>
-              <a:solidFill>
-                <a:schemeClr val="tx1"/>
-              </a:solidFill>
-            </a:ln>
-          </p:spPr>
-          <p:style>
-            <a:lnRef idx="2">
-              <a:schemeClr val="accent1">
-                <a:shade val="50000"/>
-              </a:schemeClr>
-            </a:lnRef>
-            <a:fillRef idx="1">
-              <a:schemeClr val="accent1"/>
-            </a:fillRef>
-            <a:effectRef idx="0">
-              <a:schemeClr val="accent1"/>
-            </a:effectRef>
-            <a:fontRef idx="minor">
-              <a:schemeClr val="lt1"/>
-            </a:fontRef>
-          </p:style>
-          <p:txBody>
-            <a:bodyPr rtlCol="0" anchor="ctr"/>
-            <a:lstStyle/>
-            <a:p>
-              <a:r>
-                <a:rPr lang="zh-TW" altLang="en-US" dirty="0" smtClean="0">
-                  <a:solidFill>
-                    <a:schemeClr val="bg1">
-                      <a:lumMod val="65000"/>
-                    </a:schemeClr>
-                  </a:solidFill>
-                </a:rPr>
-                <a:t>打點什麼</a:t>
-              </a:r>
-              <a:r>
-                <a:rPr lang="en-US" altLang="zh-TW" dirty="0" smtClean="0">
-                  <a:solidFill>
-                    <a:schemeClr val="bg1">
-                      <a:lumMod val="65000"/>
-                    </a:schemeClr>
-                  </a:solidFill>
-                </a:rPr>
-                <a:t>…</a:t>
-              </a:r>
-              <a:endParaRPr lang="zh-TW" altLang="en-US" dirty="0">
-                <a:solidFill>
-                  <a:schemeClr val="bg1">
-                    <a:lumMod val="65000"/>
-                  </a:schemeClr>
-                </a:solidFill>
-              </a:endParaRPr>
-            </a:p>
-          </p:txBody>
-        </p:sp>
-        <p:sp>
-          <p:nvSpPr>
-            <p:cNvPr id="13" name="圓角矩形 12"/>
-            <p:cNvSpPr/>
-            <p:nvPr/>
-          </p:nvSpPr>
-          <p:spPr>
-            <a:xfrm>
-              <a:off x="11044078" y="5376672"/>
-              <a:ext cx="804672" cy="548640"/>
-            </a:xfrm>
-            <a:prstGeom prst="roundRect">
-              <a:avLst/>
-            </a:prstGeom>
-            <a:solidFill>
-              <a:schemeClr val="bg1"/>
-            </a:solidFill>
-            <a:ln>
-              <a:solidFill>
-                <a:srgbClr val="0070C0"/>
-              </a:solidFill>
-            </a:ln>
-          </p:spPr>
-          <p:style>
-            <a:lnRef idx="2">
-              <a:schemeClr val="accent1">
-                <a:shade val="50000"/>
-              </a:schemeClr>
-            </a:lnRef>
-            <a:fillRef idx="1">
-              <a:schemeClr val="accent1"/>
-            </a:fillRef>
-            <a:effectRef idx="0">
-              <a:schemeClr val="accent1"/>
-            </a:effectRef>
-            <a:fontRef idx="minor">
-              <a:schemeClr val="lt1"/>
-            </a:fontRef>
-          </p:style>
-          <p:txBody>
-            <a:bodyPr rtlCol="0" anchor="ctr"/>
-            <a:lstStyle/>
-            <a:p>
-              <a:pPr algn="ctr"/>
-              <a:endParaRPr lang="zh-TW" altLang="en-US"/>
-            </a:p>
-          </p:txBody>
-        </p:sp>
-        <p:pic>
-          <p:nvPicPr>
-            <p:cNvPr id="28" name="圖片 27"/>
-            <p:cNvPicPr>
-              <a:picLocks noChangeAspect="1"/>
-            </p:cNvPicPr>
-            <p:nvPr/>
-          </p:nvPicPr>
-          <p:blipFill>
-            <a:blip r:embed="rId3"/>
-            <a:stretch>
-              <a:fillRect/>
-            </a:stretch>
-          </p:blipFill>
-          <p:spPr>
-            <a:xfrm rot="10800000">
-              <a:off x="11044078" y="5470791"/>
-              <a:ext cx="706877" cy="397859"/>
-            </a:xfrm>
-            <a:prstGeom prst="rect">
-              <a:avLst/>
-            </a:prstGeom>
-          </p:spPr>
-        </p:pic>
-      </p:grpSp>
-      <p:grpSp>
-        <p:nvGrpSpPr>
           <p:cNvPr id="35" name="群組 34"/>
           <p:cNvGrpSpPr/>
           <p:nvPr/>
         </p:nvGrpSpPr>
         <p:grpSpPr>
           <a:xfrm>
-            <a:off x="603504" y="3127248"/>
+            <a:off x="3745057" y="3127248"/>
             <a:ext cx="4535424" cy="1901952"/>
             <a:chOff x="603504" y="3127248"/>
             <a:chExt cx="4535424" cy="1901952"/>
@@ -4446,8 +3565,8 @@
           </p:nvSpPr>
           <p:spPr>
             <a:xfrm>
-              <a:off x="2322576" y="3383280"/>
-              <a:ext cx="2596896" cy="768096"/>
+              <a:off x="2871218" y="3264408"/>
+              <a:ext cx="2048254" cy="768096"/>
             </a:xfrm>
             <a:prstGeom prst="roundRect">
               <a:avLst/>
@@ -4482,7 +3601,33 @@
             <a:lstStyle/>
             <a:p>
               <a:pPr algn="ctr"/>
-              <a:endParaRPr lang="zh-TW" altLang="en-US"/>
+              <a:r>
+                <a:rPr lang="zh-TW" altLang="en-US" dirty="0" smtClean="0">
+                  <a:solidFill>
+                    <a:schemeClr val="bg1">
+                      <a:lumMod val="75000"/>
+                    </a:schemeClr>
+                  </a:solidFill>
+                </a:rPr>
+                <a:t>玩家</a:t>
+              </a:r>
+              <a:r>
+                <a:rPr lang="en-US" altLang="zh-TW" dirty="0" smtClean="0">
+                  <a:solidFill>
+                    <a:schemeClr val="bg1">
+                      <a:lumMod val="75000"/>
+                    </a:schemeClr>
+                  </a:solidFill>
+                </a:rPr>
+                <a:t>1</a:t>
+              </a:r>
+              <a:endParaRPr lang="zh-TW" altLang="en-US" dirty="0">
+                <a:solidFill>
+                  <a:schemeClr val="bg1">
+                    <a:lumMod val="75000"/>
+                  </a:schemeClr>
+                </a:solidFill>
+              </a:endParaRPr>
             </a:p>
           </p:txBody>
         </p:sp>
@@ -4501,9 +3646,8 @@
               <a:avLst/>
             </a:prstGeom>
             <a:solidFill>
-              <a:schemeClr val="accent2">
-                <a:lumMod val="40000"/>
-                <a:lumOff val="60000"/>
+              <a:schemeClr val="bg1">
+                <a:lumMod val="85000"/>
               </a:schemeClr>
             </a:solidFill>
             <a:ln w="19050">
@@ -4557,16 +3701,15 @@
           </p:nvSpPr>
           <p:spPr>
             <a:xfrm>
-              <a:off x="2322576" y="3383721"/>
+              <a:off x="2322576" y="3264849"/>
               <a:ext cx="822960" cy="767655"/>
             </a:xfrm>
             <a:prstGeom prst="roundRect">
               <a:avLst/>
             </a:prstGeom>
             <a:solidFill>
-              <a:schemeClr val="accent1">
-                <a:lumMod val="20000"/>
-                <a:lumOff val="80000"/>
+              <a:schemeClr val="bg1">
+                <a:lumMod val="85000"/>
               </a:schemeClr>
             </a:solidFill>
           </p:spPr>
@@ -4613,70 +3756,13 @@
       </p:grpSp>
       <p:sp>
         <p:nvSpPr>
-          <p:cNvPr id="33" name="圓角矩形 32"/>
-          <p:cNvSpPr/>
-          <p:nvPr/>
-        </p:nvSpPr>
-        <p:spPr>
-          <a:xfrm>
-            <a:off x="10455690" y="6272784"/>
-            <a:ext cx="1441622" cy="477795"/>
-          </a:xfrm>
-          <a:prstGeom prst="roundRect">
-            <a:avLst/>
-          </a:prstGeom>
-          <a:solidFill>
-            <a:srgbClr val="FF9797"/>
-          </a:solidFill>
-        </p:spPr>
-        <p:style>
-          <a:lnRef idx="2">
-            <a:schemeClr val="accent1">
-              <a:shade val="50000"/>
-            </a:schemeClr>
-          </a:lnRef>
-          <a:fillRef idx="1">
-            <a:schemeClr val="accent1"/>
-          </a:fillRef>
-          <a:effectRef idx="0">
-            <a:schemeClr val="accent1"/>
-          </a:effectRef>
-          <a:fontRef idx="minor">
-            <a:schemeClr val="lt1"/>
-          </a:fontRef>
-        </p:style>
-        <p:txBody>
-          <a:bodyPr rtlCol="0" anchor="ctr"/>
-          <a:lstStyle/>
-          <a:p>
-            <a:pPr algn="ctr"/>
-            <a:r>
-              <a:rPr lang="zh-TW" altLang="en-US" dirty="0" smtClean="0">
-                <a:solidFill>
-                  <a:srgbClr val="002060"/>
-                </a:solidFill>
-                <a:latin typeface="+mn-ea"/>
-              </a:rPr>
-              <a:t>退出</a:t>
-            </a:r>
-            <a:endParaRPr lang="zh-TW" altLang="en-US" dirty="0">
-              <a:solidFill>
-                <a:srgbClr val="002060"/>
-              </a:solidFill>
-              <a:latin typeface="+mn-ea"/>
-            </a:endParaRPr>
-          </a:p>
-        </p:txBody>
-      </p:sp>
-      <p:sp>
-        <p:nvSpPr>
           <p:cNvPr id="38" name="圓角矩形 37"/>
           <p:cNvSpPr/>
           <p:nvPr/>
         </p:nvSpPr>
         <p:spPr>
           <a:xfrm>
-            <a:off x="612648" y="621792"/>
+            <a:off x="3754201" y="621792"/>
             <a:ext cx="4526280" cy="2157984"/>
           </a:xfrm>
           <a:prstGeom prst="roundRect">
@@ -4742,7 +3828,7 @@
         </p:nvSpPr>
         <p:spPr>
           <a:xfrm>
-            <a:off x="603504" y="5629753"/>
+            <a:off x="3857915" y="5629751"/>
             <a:ext cx="1441622" cy="477795"/>
           </a:xfrm>
           <a:prstGeom prst="roundRect">
@@ -4796,14 +3882,1352 @@
       </p:sp>
       <p:sp>
         <p:nvSpPr>
-          <p:cNvPr id="40" name="圓角矩形 39"/>
+          <p:cNvPr id="23" name="圓角矩形 22"/>
           <p:cNvSpPr/>
           <p:nvPr/>
         </p:nvSpPr>
         <p:spPr>
           <a:xfrm>
-            <a:off x="3697306" y="5629752"/>
+            <a:off x="6012771" y="4119028"/>
+            <a:ext cx="2048254" cy="768096"/>
+          </a:xfrm>
+          <a:prstGeom prst="roundRect">
+            <a:avLst/>
+          </a:prstGeom>
+          <a:solidFill>
+            <a:schemeClr val="bg1"/>
+          </a:solidFill>
+          <a:ln>
+            <a:solidFill>
+              <a:schemeClr val="tx1"/>
+            </a:solidFill>
+          </a:ln>
+        </p:spPr>
+        <p:style>
+          <a:lnRef idx="2">
+            <a:schemeClr val="accent1">
+              <a:shade val="50000"/>
+            </a:schemeClr>
+          </a:lnRef>
+          <a:fillRef idx="1">
+            <a:schemeClr val="accent1"/>
+          </a:fillRef>
+          <a:effectRef idx="0">
+            <a:schemeClr val="accent1"/>
+          </a:effectRef>
+          <a:fontRef idx="minor">
+            <a:schemeClr val="lt1"/>
+          </a:fontRef>
+        </p:style>
+        <p:txBody>
+          <a:bodyPr rtlCol="0" anchor="ctr"/>
+          <a:lstStyle/>
+          <a:p>
+            <a:pPr algn="ctr"/>
+            <a:r>
+              <a:rPr lang="en-US" altLang="zh-TW" dirty="0" smtClean="0">
+                <a:solidFill>
+                  <a:schemeClr val="bg1">
+                    <a:lumMod val="75000"/>
+                  </a:schemeClr>
+                </a:solidFill>
+              </a:rPr>
+              <a:t>#201594</a:t>
+            </a:r>
+            <a:endParaRPr lang="zh-TW" altLang="en-US" dirty="0">
+              <a:solidFill>
+                <a:schemeClr val="bg1">
+                  <a:lumMod val="75000"/>
+                </a:schemeClr>
+              </a:solidFill>
+            </a:endParaRPr>
+          </a:p>
+        </p:txBody>
+      </p:sp>
+      <p:sp>
+        <p:nvSpPr>
+          <p:cNvPr id="24" name="圓角矩形 23"/>
+          <p:cNvSpPr/>
+          <p:nvPr/>
+        </p:nvSpPr>
+        <p:spPr>
+          <a:xfrm>
+            <a:off x="5464129" y="4119469"/>
+            <a:ext cx="822960" cy="767655"/>
+          </a:xfrm>
+          <a:prstGeom prst="roundRect">
+            <a:avLst/>
+          </a:prstGeom>
+          <a:solidFill>
+            <a:schemeClr val="bg1">
+              <a:lumMod val="85000"/>
+            </a:schemeClr>
+          </a:solidFill>
+        </p:spPr>
+        <p:style>
+          <a:lnRef idx="2">
+            <a:schemeClr val="accent1">
+              <a:shade val="50000"/>
+            </a:schemeClr>
+          </a:lnRef>
+          <a:fillRef idx="1">
+            <a:schemeClr val="accent1"/>
+          </a:fillRef>
+          <a:effectRef idx="0">
+            <a:schemeClr val="accent1"/>
+          </a:effectRef>
+          <a:fontRef idx="minor">
+            <a:schemeClr val="lt1"/>
+          </a:fontRef>
+        </p:style>
+        <p:txBody>
+          <a:bodyPr rtlCol="0" anchor="ctr"/>
+          <a:lstStyle/>
+          <a:p>
+            <a:pPr algn="ctr"/>
+            <a:r>
+              <a:rPr lang="zh-TW" altLang="en-US" dirty="0" smtClean="0">
+                <a:solidFill>
+                  <a:schemeClr val="tx1"/>
+                </a:solidFill>
+              </a:rPr>
+              <a:t>房間</a:t>
+            </a:r>
+            <a:endParaRPr lang="zh-TW" altLang="en-US" dirty="0">
+              <a:solidFill>
+                <a:schemeClr val="tx1"/>
+              </a:solidFill>
+            </a:endParaRPr>
+          </a:p>
+        </p:txBody>
+      </p:sp>
+      <p:cxnSp>
+        <p:nvCxnSpPr>
+          <p:cNvPr id="3" name="直線接點 2"/>
+          <p:cNvCxnSpPr/>
+          <p:nvPr/>
+        </p:nvCxnSpPr>
+        <p:spPr>
+          <a:xfrm>
+            <a:off x="8646329" y="0"/>
+            <a:ext cx="9054" cy="6858000"/>
+          </a:xfrm>
+          <a:prstGeom prst="line">
+            <a:avLst/>
+          </a:prstGeom>
+          <a:ln w="19050">
+            <a:solidFill>
+              <a:schemeClr val="tx1"/>
+            </a:solidFill>
+            <a:prstDash val="lgDash"/>
+          </a:ln>
+        </p:spPr>
+        <p:style>
+          <a:lnRef idx="1">
+            <a:schemeClr val="accent1"/>
+          </a:lnRef>
+          <a:fillRef idx="0">
+            <a:schemeClr val="accent1"/>
+          </a:fillRef>
+          <a:effectRef idx="0">
+            <a:schemeClr val="accent1"/>
+          </a:effectRef>
+          <a:fontRef idx="minor">
+            <a:schemeClr val="tx1"/>
+          </a:fontRef>
+        </p:style>
+      </p:cxnSp>
+      <p:sp>
+        <p:nvSpPr>
+          <p:cNvPr id="27" name="圓角矩形 26"/>
+          <p:cNvSpPr/>
+          <p:nvPr/>
+        </p:nvSpPr>
+        <p:spPr>
+          <a:xfrm>
+            <a:off x="6680402" y="5629752"/>
             <a:ext cx="1441622" cy="477795"/>
+          </a:xfrm>
+          <a:prstGeom prst="roundRect">
+            <a:avLst/>
+          </a:prstGeom>
+          <a:solidFill>
+            <a:schemeClr val="accent5">
+              <a:lumMod val="40000"/>
+              <a:lumOff val="60000"/>
+            </a:schemeClr>
+          </a:solidFill>
+        </p:spPr>
+        <p:style>
+          <a:lnRef idx="2">
+            <a:schemeClr val="accent1">
+              <a:shade val="50000"/>
+            </a:schemeClr>
+          </a:lnRef>
+          <a:fillRef idx="1">
+            <a:schemeClr val="accent1"/>
+          </a:fillRef>
+          <a:effectRef idx="0">
+            <a:schemeClr val="accent1"/>
+          </a:effectRef>
+          <a:fontRef idx="minor">
+            <a:schemeClr val="lt1"/>
+          </a:fontRef>
+        </p:style>
+        <p:txBody>
+          <a:bodyPr rtlCol="0" anchor="ctr"/>
+          <a:lstStyle/>
+          <a:p>
+            <a:pPr algn="ctr"/>
+            <a:r>
+              <a:rPr lang="zh-TW" altLang="en-US" dirty="0">
+                <a:solidFill>
+                  <a:srgbClr val="002060"/>
+                </a:solidFill>
+                <a:latin typeface="+mn-ea"/>
+              </a:rPr>
+              <a:t>加入</a:t>
+            </a:r>
+            <a:r>
+              <a:rPr lang="zh-TW" altLang="en-US" dirty="0" smtClean="0">
+                <a:solidFill>
+                  <a:srgbClr val="002060"/>
+                </a:solidFill>
+                <a:latin typeface="+mn-ea"/>
+              </a:rPr>
+              <a:t>房間</a:t>
+            </a:r>
+            <a:endParaRPr lang="zh-TW" altLang="en-US" dirty="0">
+              <a:solidFill>
+                <a:srgbClr val="002060"/>
+              </a:solidFill>
+              <a:latin typeface="+mn-ea"/>
+            </a:endParaRPr>
+          </a:p>
+        </p:txBody>
+      </p:sp>
+      <p:cxnSp>
+        <p:nvCxnSpPr>
+          <p:cNvPr id="32" name="直線接點 31"/>
+          <p:cNvCxnSpPr/>
+          <p:nvPr/>
+        </p:nvCxnSpPr>
+        <p:spPr>
+          <a:xfrm>
+            <a:off x="3388353" y="0"/>
+            <a:ext cx="9054" cy="6858000"/>
+          </a:xfrm>
+          <a:prstGeom prst="line">
+            <a:avLst/>
+          </a:prstGeom>
+          <a:ln w="19050">
+            <a:solidFill>
+              <a:schemeClr val="tx1"/>
+            </a:solidFill>
+            <a:prstDash val="lgDash"/>
+          </a:ln>
+        </p:spPr>
+        <p:style>
+          <a:lnRef idx="1">
+            <a:schemeClr val="accent1"/>
+          </a:lnRef>
+          <a:fillRef idx="0">
+            <a:schemeClr val="accent1"/>
+          </a:fillRef>
+          <a:effectRef idx="0">
+            <a:schemeClr val="accent1"/>
+          </a:effectRef>
+          <a:fontRef idx="minor">
+            <a:schemeClr val="tx1"/>
+          </a:fontRef>
+        </p:style>
+      </p:cxnSp>
+    </p:spTree>
+    <p:extLst>
+      <p:ext uri="{BB962C8B-B14F-4D97-AF65-F5344CB8AC3E}">
+        <p14:creationId xmlns:p14="http://schemas.microsoft.com/office/powerpoint/2010/main" val="4058343426"/>
+      </p:ext>
+    </p:extLst>
+  </p:cSld>
+  <p:clrMapOvr>
+    <a:masterClrMapping/>
+  </p:clrMapOvr>
+</p:sld>
+</file>
+
+<file path=ppt/slides/slide2.xml><?xml version="1.0" encoding="utf-8"?>
+<p:sld xmlns:a="http://schemas.openxmlformats.org/drawingml/2006/main" xmlns:r="http://schemas.openxmlformats.org/officeDocument/2006/relationships" xmlns:p="http://schemas.openxmlformats.org/presentationml/2006/main">
+  <p:cSld>
+    <p:spTree>
+      <p:nvGrpSpPr>
+        <p:cNvPr id="1" name=""/>
+        <p:cNvGrpSpPr/>
+        <p:nvPr/>
+      </p:nvGrpSpPr>
+      <p:grpSpPr>
+        <a:xfrm>
+          <a:off x="0" y="0"/>
+          <a:ext cx="0" cy="0"/>
+          <a:chOff x="0" y="0"/>
+          <a:chExt cx="0" cy="0"/>
+        </a:xfrm>
+      </p:grpSpPr>
+      <p:sp>
+        <p:nvSpPr>
+          <p:cNvPr id="6" name="矩形 5"/>
+          <p:cNvSpPr/>
+          <p:nvPr/>
+        </p:nvSpPr>
+        <p:spPr>
+          <a:xfrm>
+            <a:off x="8769790" y="1258432"/>
+            <a:ext cx="3422210" cy="4499642"/>
+          </a:xfrm>
+          <a:prstGeom prst="rect">
+            <a:avLst/>
+          </a:prstGeom>
+          <a:solidFill>
+            <a:schemeClr val="bg1"/>
+          </a:solidFill>
+          <a:ln>
+            <a:solidFill>
+              <a:schemeClr val="tx1"/>
+            </a:solidFill>
+          </a:ln>
+        </p:spPr>
+        <p:style>
+          <a:lnRef idx="2">
+            <a:schemeClr val="accent1">
+              <a:shade val="50000"/>
+            </a:schemeClr>
+          </a:lnRef>
+          <a:fillRef idx="1">
+            <a:schemeClr val="accent1"/>
+          </a:fillRef>
+          <a:effectRef idx="0">
+            <a:schemeClr val="accent1"/>
+          </a:effectRef>
+          <a:fontRef idx="minor">
+            <a:schemeClr val="lt1"/>
+          </a:fontRef>
+        </p:style>
+        <p:txBody>
+          <a:bodyPr rtlCol="0" anchor="ctr"/>
+          <a:lstStyle/>
+          <a:p>
+            <a:r>
+              <a:rPr lang="en-US" altLang="zh-TW" sz="1400" dirty="0" smtClean="0">
+                <a:solidFill>
+                  <a:schemeClr val="bg1">
+                    <a:lumMod val="65000"/>
+                  </a:schemeClr>
+                </a:solidFill>
+              </a:rPr>
+              <a:t>16:37</a:t>
+            </a:r>
+            <a:r>
+              <a:rPr lang="zh-TW" altLang="en-US" sz="1400" dirty="0" smtClean="0">
+                <a:solidFill>
+                  <a:schemeClr val="tx1"/>
+                </a:solidFill>
+              </a:rPr>
+              <a:t> 玩家</a:t>
+            </a:r>
+            <a:r>
+              <a:rPr lang="en-US" altLang="zh-TW" sz="1400" dirty="0" smtClean="0">
+                <a:solidFill>
+                  <a:schemeClr val="tx1"/>
+                </a:solidFill>
+              </a:rPr>
+              <a:t>1</a:t>
+            </a:r>
+            <a:r>
+              <a:rPr lang="zh-TW" altLang="en-US" sz="1400" dirty="0" smtClean="0">
+                <a:solidFill>
+                  <a:schemeClr val="tx1"/>
+                </a:solidFill>
+              </a:rPr>
+              <a:t> </a:t>
+            </a:r>
+            <a:endParaRPr lang="en-US" altLang="zh-TW" sz="1400" dirty="0" smtClean="0">
+              <a:solidFill>
+                <a:schemeClr val="tx1"/>
+              </a:solidFill>
+            </a:endParaRPr>
+          </a:p>
+          <a:p>
+            <a:r>
+              <a:rPr lang="en-US" altLang="zh-TW" sz="1400" dirty="0" smtClean="0">
+                <a:solidFill>
+                  <a:schemeClr val="bg1">
+                    <a:lumMod val="65000"/>
+                  </a:schemeClr>
+                </a:solidFill>
+              </a:rPr>
+              <a:t>16:39</a:t>
+            </a:r>
+            <a:r>
+              <a:rPr lang="zh-TW" altLang="en-US" sz="1400" dirty="0" smtClean="0">
+                <a:solidFill>
+                  <a:schemeClr val="tx1"/>
+                </a:solidFill>
+              </a:rPr>
+              <a:t> 玩家</a:t>
+            </a:r>
+            <a:r>
+              <a:rPr lang="en-US" altLang="zh-TW" sz="1400" dirty="0">
+                <a:solidFill>
+                  <a:schemeClr val="tx1"/>
+                </a:solidFill>
+              </a:rPr>
+              <a:t>2</a:t>
+            </a:r>
+            <a:endParaRPr lang="zh-TW" altLang="en-US" sz="1400" dirty="0" smtClean="0">
+              <a:solidFill>
+                <a:schemeClr val="tx1"/>
+              </a:solidFill>
+            </a:endParaRPr>
+          </a:p>
+          <a:p>
+            <a:r>
+              <a:rPr lang="en-US" altLang="zh-TW" sz="1400" dirty="0" smtClean="0">
+                <a:solidFill>
+                  <a:schemeClr val="bg1">
+                    <a:lumMod val="65000"/>
+                  </a:schemeClr>
+                </a:solidFill>
+              </a:rPr>
+              <a:t>16:42</a:t>
+            </a:r>
+            <a:r>
+              <a:rPr lang="zh-TW" altLang="en-US" sz="1400" dirty="0" smtClean="0">
+                <a:solidFill>
+                  <a:schemeClr val="tx1"/>
+                </a:solidFill>
+              </a:rPr>
+              <a:t> 玩家</a:t>
+            </a:r>
+            <a:r>
+              <a:rPr lang="en-US" altLang="zh-TW" sz="1400" dirty="0">
+                <a:solidFill>
+                  <a:schemeClr val="tx1"/>
+                </a:solidFill>
+              </a:rPr>
+              <a:t>1</a:t>
+            </a:r>
+            <a:endParaRPr lang="zh-TW" altLang="en-US" sz="1400" dirty="0" smtClean="0">
+              <a:solidFill>
+                <a:schemeClr val="tx1"/>
+              </a:solidFill>
+            </a:endParaRPr>
+          </a:p>
+          <a:p>
+            <a:r>
+              <a:rPr lang="en-US" altLang="zh-TW" sz="1400" dirty="0" smtClean="0">
+                <a:solidFill>
+                  <a:schemeClr val="bg1">
+                    <a:lumMod val="65000"/>
+                  </a:schemeClr>
+                </a:solidFill>
+              </a:rPr>
+              <a:t>16:42</a:t>
+            </a:r>
+            <a:r>
+              <a:rPr lang="zh-TW" altLang="en-US" sz="1400" dirty="0" smtClean="0">
+                <a:solidFill>
+                  <a:schemeClr val="tx1"/>
+                </a:solidFill>
+              </a:rPr>
+              <a:t> 玩家</a:t>
+            </a:r>
+            <a:r>
+              <a:rPr lang="en-US" altLang="zh-TW" sz="1400" dirty="0">
+                <a:solidFill>
+                  <a:schemeClr val="tx1"/>
+                </a:solidFill>
+              </a:rPr>
+              <a:t>5</a:t>
+            </a:r>
+            <a:endParaRPr lang="zh-TW" altLang="en-US" sz="1400" dirty="0" smtClean="0">
+              <a:solidFill>
+                <a:schemeClr val="tx1"/>
+              </a:solidFill>
+            </a:endParaRPr>
+          </a:p>
+          <a:p>
+            <a:r>
+              <a:rPr lang="en-US" altLang="zh-TW" sz="1400" dirty="0" smtClean="0">
+                <a:solidFill>
+                  <a:schemeClr val="bg1">
+                    <a:lumMod val="65000"/>
+                  </a:schemeClr>
+                </a:solidFill>
+              </a:rPr>
+              <a:t>16:43</a:t>
+            </a:r>
+            <a:r>
+              <a:rPr lang="zh-TW" altLang="en-US" sz="1400" dirty="0" smtClean="0">
+                <a:solidFill>
+                  <a:schemeClr val="tx1"/>
+                </a:solidFill>
+              </a:rPr>
+              <a:t> 玩家</a:t>
+            </a:r>
+            <a:r>
+              <a:rPr lang="en-US" altLang="zh-TW" sz="1400" dirty="0">
+                <a:solidFill>
+                  <a:schemeClr val="tx1"/>
+                </a:solidFill>
+              </a:rPr>
+              <a:t>6</a:t>
+            </a:r>
+            <a:endParaRPr lang="zh-TW" altLang="en-US" sz="1400" dirty="0" smtClean="0">
+              <a:solidFill>
+                <a:schemeClr val="tx1"/>
+              </a:solidFill>
+            </a:endParaRPr>
+          </a:p>
+          <a:p>
+            <a:r>
+              <a:rPr lang="en-US" altLang="zh-TW" sz="1400" dirty="0" smtClean="0">
+                <a:solidFill>
+                  <a:schemeClr val="bg1">
+                    <a:lumMod val="65000"/>
+                  </a:schemeClr>
+                </a:solidFill>
+              </a:rPr>
+              <a:t>16:52</a:t>
+            </a:r>
+            <a:r>
+              <a:rPr lang="zh-TW" altLang="en-US" sz="1400" dirty="0" smtClean="0">
+                <a:solidFill>
+                  <a:schemeClr val="tx1"/>
+                </a:solidFill>
+              </a:rPr>
+              <a:t> 玩家</a:t>
+            </a:r>
+            <a:r>
+              <a:rPr lang="en-US" altLang="zh-TW" sz="1400" dirty="0" smtClean="0">
+                <a:solidFill>
+                  <a:schemeClr val="tx1"/>
+                </a:solidFill>
+              </a:rPr>
+              <a:t>4</a:t>
+            </a:r>
+          </a:p>
+          <a:p>
+            <a:r>
+              <a:rPr lang="en-US" altLang="zh-TW" sz="1400" dirty="0" smtClean="0">
+                <a:solidFill>
+                  <a:schemeClr val="tx1"/>
+                </a:solidFill>
+              </a:rPr>
+              <a:t>-----------------------</a:t>
+            </a:r>
+            <a:r>
+              <a:rPr lang="zh-TW" altLang="en-US" sz="1400" dirty="0" smtClean="0">
+                <a:solidFill>
+                  <a:schemeClr val="tx1"/>
+                </a:solidFill>
+              </a:rPr>
+              <a:t>未讀訊息</a:t>
+            </a:r>
+            <a:r>
+              <a:rPr lang="en-US" altLang="zh-TW" sz="1400" dirty="0" smtClean="0">
+                <a:solidFill>
+                  <a:schemeClr val="tx1"/>
+                </a:solidFill>
+              </a:rPr>
+              <a:t>-----------------------</a:t>
+            </a:r>
+          </a:p>
+          <a:p>
+            <a:r>
+              <a:rPr lang="en-US" altLang="zh-TW" sz="1400" dirty="0" smtClean="0">
+                <a:solidFill>
+                  <a:schemeClr val="bg1">
+                    <a:lumMod val="65000"/>
+                  </a:schemeClr>
+                </a:solidFill>
+              </a:rPr>
+              <a:t>16:52</a:t>
+            </a:r>
+            <a:r>
+              <a:rPr lang="zh-TW" altLang="en-US" sz="1400" dirty="0" smtClean="0">
+                <a:solidFill>
+                  <a:schemeClr val="tx1"/>
+                </a:solidFill>
+              </a:rPr>
+              <a:t> </a:t>
+            </a:r>
+            <a:r>
+              <a:rPr lang="zh-TW" altLang="en-US" sz="1400" dirty="0">
+                <a:solidFill>
+                  <a:schemeClr val="tx1"/>
+                </a:solidFill>
+              </a:rPr>
+              <a:t>玩家</a:t>
+            </a:r>
+            <a:r>
+              <a:rPr lang="en-US" altLang="zh-TW" sz="1400" dirty="0">
+                <a:solidFill>
+                  <a:schemeClr val="tx1"/>
+                </a:solidFill>
+              </a:rPr>
+              <a:t>5</a:t>
+            </a:r>
+            <a:endParaRPr lang="zh-TW" altLang="en-US" sz="1400" dirty="0">
+              <a:solidFill>
+                <a:schemeClr val="tx1"/>
+              </a:solidFill>
+            </a:endParaRPr>
+          </a:p>
+          <a:p>
+            <a:r>
+              <a:rPr lang="en-US" altLang="zh-TW" sz="1400" dirty="0" smtClean="0">
+                <a:solidFill>
+                  <a:schemeClr val="bg1">
+                    <a:lumMod val="65000"/>
+                  </a:schemeClr>
+                </a:solidFill>
+              </a:rPr>
+              <a:t>16:53</a:t>
+            </a:r>
+            <a:r>
+              <a:rPr lang="zh-TW" altLang="en-US" sz="1400" dirty="0" smtClean="0">
+                <a:solidFill>
+                  <a:schemeClr val="tx1"/>
+                </a:solidFill>
+              </a:rPr>
+              <a:t> 玩家</a:t>
+            </a:r>
+            <a:r>
+              <a:rPr lang="en-US" altLang="zh-TW" sz="1400" dirty="0" smtClean="0">
+                <a:solidFill>
+                  <a:schemeClr val="tx1"/>
+                </a:solidFill>
+              </a:rPr>
+              <a:t>5</a:t>
+            </a:r>
+            <a:endParaRPr lang="zh-TW" altLang="en-US" sz="1400" dirty="0">
+              <a:solidFill>
+                <a:schemeClr val="tx1"/>
+              </a:solidFill>
+            </a:endParaRPr>
+          </a:p>
+          <a:p>
+            <a:r>
+              <a:rPr lang="en-US" altLang="zh-TW" sz="1400" dirty="0" smtClean="0">
+                <a:solidFill>
+                  <a:schemeClr val="bg1">
+                    <a:lumMod val="65000"/>
+                  </a:schemeClr>
+                </a:solidFill>
+              </a:rPr>
+              <a:t>16:56</a:t>
+            </a:r>
+            <a:r>
+              <a:rPr lang="zh-TW" altLang="en-US" sz="1400" dirty="0" smtClean="0">
+                <a:solidFill>
+                  <a:schemeClr val="tx1"/>
+                </a:solidFill>
+              </a:rPr>
+              <a:t> </a:t>
+            </a:r>
+            <a:r>
+              <a:rPr lang="zh-TW" altLang="en-US" sz="1400" dirty="0">
+                <a:solidFill>
+                  <a:schemeClr val="tx1"/>
+                </a:solidFill>
+              </a:rPr>
+              <a:t>玩家</a:t>
+            </a:r>
+            <a:r>
+              <a:rPr lang="en-US" altLang="zh-TW" sz="1400" dirty="0" smtClean="0">
+                <a:solidFill>
+                  <a:schemeClr val="tx1"/>
+                </a:solidFill>
+              </a:rPr>
+              <a:t>4</a:t>
+            </a:r>
+          </a:p>
+          <a:p>
+            <a:endParaRPr lang="en-US" altLang="zh-TW" sz="1400" dirty="0">
+              <a:solidFill>
+                <a:schemeClr val="tx1"/>
+              </a:solidFill>
+            </a:endParaRPr>
+          </a:p>
+          <a:p>
+            <a:endParaRPr lang="en-US" altLang="zh-TW" sz="1400" dirty="0" smtClean="0">
+              <a:solidFill>
+                <a:schemeClr val="tx1"/>
+              </a:solidFill>
+            </a:endParaRPr>
+          </a:p>
+          <a:p>
+            <a:endParaRPr lang="en-US" altLang="zh-TW" sz="1400" dirty="0">
+              <a:solidFill>
+                <a:schemeClr val="tx1"/>
+              </a:solidFill>
+            </a:endParaRPr>
+          </a:p>
+          <a:p>
+            <a:endParaRPr lang="en-US" altLang="zh-TW" sz="1400" dirty="0" smtClean="0">
+              <a:solidFill>
+                <a:schemeClr val="tx1"/>
+              </a:solidFill>
+            </a:endParaRPr>
+          </a:p>
+          <a:p>
+            <a:endParaRPr lang="en-US" altLang="zh-TW" sz="1400" dirty="0">
+              <a:solidFill>
+                <a:schemeClr val="tx1"/>
+              </a:solidFill>
+            </a:endParaRPr>
+          </a:p>
+          <a:p>
+            <a:endParaRPr lang="en-US" altLang="zh-TW" sz="1400" dirty="0" smtClean="0">
+              <a:solidFill>
+                <a:schemeClr val="tx1"/>
+              </a:solidFill>
+            </a:endParaRPr>
+          </a:p>
+          <a:p>
+            <a:endParaRPr lang="en-US" altLang="zh-TW" sz="1400" dirty="0">
+              <a:solidFill>
+                <a:schemeClr val="tx1"/>
+              </a:solidFill>
+            </a:endParaRPr>
+          </a:p>
+          <a:p>
+            <a:endParaRPr lang="en-US" altLang="zh-TW" sz="1400" dirty="0" smtClean="0">
+              <a:solidFill>
+                <a:schemeClr val="tx1"/>
+              </a:solidFill>
+            </a:endParaRPr>
+          </a:p>
+          <a:p>
+            <a:endParaRPr lang="en-US" altLang="zh-TW" sz="1400" dirty="0">
+              <a:solidFill>
+                <a:schemeClr val="tx1"/>
+              </a:solidFill>
+            </a:endParaRPr>
+          </a:p>
+          <a:p>
+            <a:endParaRPr lang="zh-TW" altLang="en-US" sz="1400" dirty="0">
+              <a:solidFill>
+                <a:schemeClr val="tx1"/>
+              </a:solidFill>
+            </a:endParaRPr>
+          </a:p>
+        </p:txBody>
+      </p:sp>
+      <p:grpSp>
+        <p:nvGrpSpPr>
+          <p:cNvPr id="24" name="群組 23"/>
+          <p:cNvGrpSpPr/>
+          <p:nvPr/>
+        </p:nvGrpSpPr>
+        <p:grpSpPr>
+          <a:xfrm>
+            <a:off x="7803374" y="1258432"/>
+            <a:ext cx="966416" cy="4499642"/>
+            <a:chOff x="6648579" y="356720"/>
+            <a:chExt cx="947278" cy="2528136"/>
+          </a:xfrm>
+        </p:grpSpPr>
+        <p:sp>
+          <p:nvSpPr>
+            <p:cNvPr id="5" name="矩形 4"/>
+            <p:cNvSpPr/>
+            <p:nvPr/>
+          </p:nvSpPr>
+          <p:spPr>
+            <a:xfrm>
+              <a:off x="6648579" y="377774"/>
+              <a:ext cx="947278" cy="2507082"/>
+            </a:xfrm>
+            <a:prstGeom prst="rect">
+              <a:avLst/>
+            </a:prstGeom>
+            <a:solidFill>
+              <a:schemeClr val="bg1"/>
+            </a:solidFill>
+            <a:ln>
+              <a:solidFill>
+                <a:schemeClr val="tx1"/>
+              </a:solidFill>
+            </a:ln>
+          </p:spPr>
+          <p:style>
+            <a:lnRef idx="2">
+              <a:schemeClr val="accent1">
+                <a:shade val="50000"/>
+              </a:schemeClr>
+            </a:lnRef>
+            <a:fillRef idx="1">
+              <a:schemeClr val="accent1"/>
+            </a:fillRef>
+            <a:effectRef idx="0">
+              <a:schemeClr val="accent1"/>
+            </a:effectRef>
+            <a:fontRef idx="minor">
+              <a:schemeClr val="lt1"/>
+            </a:fontRef>
+          </p:style>
+          <p:txBody>
+            <a:bodyPr rtlCol="0" anchor="ctr"/>
+            <a:lstStyle/>
+            <a:p>
+              <a:endParaRPr lang="zh-TW" altLang="en-US" sz="1400" dirty="0">
+                <a:solidFill>
+                  <a:srgbClr val="002060"/>
+                </a:solidFill>
+              </a:endParaRPr>
+            </a:p>
+          </p:txBody>
+        </p:sp>
+        <p:sp>
+          <p:nvSpPr>
+            <p:cNvPr id="8" name="文字方塊 7"/>
+            <p:cNvSpPr txBox="1"/>
+            <p:nvPr/>
+          </p:nvSpPr>
+          <p:spPr>
+            <a:xfrm>
+              <a:off x="6648579" y="489583"/>
+              <a:ext cx="947278" cy="749906"/>
+            </a:xfrm>
+            <a:prstGeom prst="rect">
+              <a:avLst/>
+            </a:prstGeom>
+            <a:noFill/>
+          </p:spPr>
+          <p:txBody>
+            <a:bodyPr wrap="square" rtlCol="0">
+              <a:spAutoFit/>
+            </a:bodyPr>
+            <a:lstStyle/>
+            <a:p>
+              <a:pPr marL="285750" indent="-285750">
+                <a:buFont typeface="Arial" panose="020B0604020202020204" pitchFamily="34" charset="0"/>
+                <a:buChar char="•"/>
+              </a:pPr>
+              <a:r>
+                <a:rPr lang="zh-TW" altLang="en-US" sz="1400" dirty="0" smtClean="0">
+                  <a:solidFill>
+                    <a:schemeClr val="accent6">
+                      <a:lumMod val="60000"/>
+                      <a:lumOff val="40000"/>
+                    </a:schemeClr>
+                  </a:solidFill>
+                </a:rPr>
+                <a:t>玩家</a:t>
+              </a:r>
+              <a:r>
+                <a:rPr lang="en-US" altLang="zh-TW" sz="1400" dirty="0" smtClean="0">
+                  <a:solidFill>
+                    <a:schemeClr val="accent6">
+                      <a:lumMod val="60000"/>
+                      <a:lumOff val="40000"/>
+                    </a:schemeClr>
+                  </a:solidFill>
+                </a:rPr>
+                <a:t>1</a:t>
+              </a:r>
+            </a:p>
+            <a:p>
+              <a:pPr marL="285750" indent="-285750">
+                <a:buFont typeface="Arial" panose="020B0604020202020204" pitchFamily="34" charset="0"/>
+                <a:buChar char="•"/>
+              </a:pPr>
+              <a:r>
+                <a:rPr lang="zh-TW" altLang="en-US" sz="1400" dirty="0" smtClean="0">
+                  <a:solidFill>
+                    <a:schemeClr val="accent6">
+                      <a:lumMod val="60000"/>
+                      <a:lumOff val="40000"/>
+                    </a:schemeClr>
+                  </a:solidFill>
+                </a:rPr>
+                <a:t>玩家</a:t>
+              </a:r>
+              <a:r>
+                <a:rPr lang="en-US" altLang="zh-TW" sz="1400" dirty="0">
+                  <a:solidFill>
+                    <a:schemeClr val="accent6">
+                      <a:lumMod val="60000"/>
+                      <a:lumOff val="40000"/>
+                    </a:schemeClr>
+                  </a:solidFill>
+                </a:rPr>
+                <a:t>2</a:t>
+              </a:r>
+              <a:endParaRPr lang="en-US" altLang="zh-TW" sz="1400" dirty="0" smtClean="0">
+                <a:solidFill>
+                  <a:schemeClr val="accent6">
+                    <a:lumMod val="60000"/>
+                    <a:lumOff val="40000"/>
+                  </a:schemeClr>
+                </a:solidFill>
+              </a:endParaRPr>
+            </a:p>
+            <a:p>
+              <a:pPr marL="285750" indent="-285750">
+                <a:buFont typeface="Arial" panose="020B0604020202020204" pitchFamily="34" charset="0"/>
+                <a:buChar char="•"/>
+              </a:pPr>
+              <a:r>
+                <a:rPr lang="zh-TW" altLang="en-US" sz="1400" dirty="0" smtClean="0">
+                  <a:solidFill>
+                    <a:srgbClr val="FF0000"/>
+                  </a:solidFill>
+                </a:rPr>
+                <a:t>玩家</a:t>
+              </a:r>
+              <a:r>
+                <a:rPr lang="en-US" altLang="zh-TW" sz="1400" dirty="0" smtClean="0">
+                  <a:solidFill>
+                    <a:srgbClr val="FF0000"/>
+                  </a:solidFill>
+                </a:rPr>
+                <a:t>3</a:t>
+              </a:r>
+            </a:p>
+            <a:p>
+              <a:pPr marL="285750" indent="-285750">
+                <a:buFont typeface="Arial" panose="020B0604020202020204" pitchFamily="34" charset="0"/>
+                <a:buChar char="•"/>
+              </a:pPr>
+              <a:r>
+                <a:rPr lang="zh-TW" altLang="en-US" sz="1400" dirty="0">
+                  <a:solidFill>
+                    <a:schemeClr val="accent6">
+                      <a:lumMod val="60000"/>
+                      <a:lumOff val="40000"/>
+                    </a:schemeClr>
+                  </a:solidFill>
+                </a:rPr>
+                <a:t>玩家</a:t>
+              </a:r>
+              <a:r>
+                <a:rPr lang="en-US" altLang="zh-TW" sz="1400" dirty="0">
+                  <a:solidFill>
+                    <a:schemeClr val="accent6">
+                      <a:lumMod val="60000"/>
+                      <a:lumOff val="40000"/>
+                    </a:schemeClr>
+                  </a:solidFill>
+                </a:rPr>
+                <a:t>4</a:t>
+              </a:r>
+            </a:p>
+            <a:p>
+              <a:pPr marL="285750" indent="-285750">
+                <a:buFont typeface="Arial" panose="020B0604020202020204" pitchFamily="34" charset="0"/>
+                <a:buChar char="•"/>
+              </a:pPr>
+              <a:r>
+                <a:rPr lang="zh-TW" altLang="en-US" sz="1400" dirty="0">
+                  <a:solidFill>
+                    <a:schemeClr val="accent6">
+                      <a:lumMod val="60000"/>
+                      <a:lumOff val="40000"/>
+                    </a:schemeClr>
+                  </a:solidFill>
+                </a:rPr>
+                <a:t>玩家</a:t>
+              </a:r>
+              <a:r>
+                <a:rPr lang="en-US" altLang="zh-TW" sz="1400" dirty="0">
+                  <a:solidFill>
+                    <a:schemeClr val="accent6">
+                      <a:lumMod val="60000"/>
+                      <a:lumOff val="40000"/>
+                    </a:schemeClr>
+                  </a:solidFill>
+                </a:rPr>
+                <a:t>5</a:t>
+              </a:r>
+            </a:p>
+            <a:p>
+              <a:pPr marL="285750" indent="-285750">
+                <a:buFont typeface="Arial" panose="020B0604020202020204" pitchFamily="34" charset="0"/>
+                <a:buChar char="•"/>
+              </a:pPr>
+              <a:r>
+                <a:rPr lang="zh-TW" altLang="en-US" sz="1400" dirty="0" smtClean="0">
+                  <a:solidFill>
+                    <a:schemeClr val="accent6">
+                      <a:lumMod val="60000"/>
+                      <a:lumOff val="40000"/>
+                    </a:schemeClr>
+                  </a:solidFill>
+                </a:rPr>
+                <a:t>玩家</a:t>
+              </a:r>
+              <a:r>
+                <a:rPr lang="en-US" altLang="zh-TW" sz="1400" dirty="0" smtClean="0">
+                  <a:solidFill>
+                    <a:schemeClr val="accent6">
+                      <a:lumMod val="60000"/>
+                      <a:lumOff val="40000"/>
+                    </a:schemeClr>
+                  </a:solidFill>
+                </a:rPr>
+                <a:t>6</a:t>
+              </a:r>
+            </a:p>
+            <a:p>
+              <a:pPr marL="285750" indent="-285750">
+                <a:buFont typeface="Arial" panose="020B0604020202020204" pitchFamily="34" charset="0"/>
+                <a:buChar char="•"/>
+              </a:pPr>
+              <a:r>
+                <a:rPr lang="zh-TW" altLang="en-US" sz="1400" dirty="0" smtClean="0">
+                  <a:solidFill>
+                    <a:schemeClr val="bg2">
+                      <a:lumMod val="75000"/>
+                    </a:schemeClr>
+                  </a:solidFill>
+                </a:rPr>
+                <a:t>玩家</a:t>
+              </a:r>
+              <a:r>
+                <a:rPr lang="en-US" altLang="zh-TW" sz="1400" dirty="0">
+                  <a:solidFill>
+                    <a:schemeClr val="bg2">
+                      <a:lumMod val="75000"/>
+                    </a:schemeClr>
+                  </a:solidFill>
+                </a:rPr>
+                <a:t>7</a:t>
+              </a:r>
+            </a:p>
+            <a:p>
+              <a:pPr marL="285750" indent="-285750">
+                <a:buFont typeface="Arial" panose="020B0604020202020204" pitchFamily="34" charset="0"/>
+                <a:buChar char="•"/>
+              </a:pPr>
+              <a:r>
+                <a:rPr lang="zh-TW" altLang="en-US" sz="1400" dirty="0">
+                  <a:solidFill>
+                    <a:schemeClr val="bg2">
+                      <a:lumMod val="75000"/>
+                    </a:schemeClr>
+                  </a:solidFill>
+                </a:rPr>
+                <a:t>玩家</a:t>
+              </a:r>
+              <a:r>
+                <a:rPr lang="en-US" altLang="zh-TW" sz="1400" dirty="0" smtClean="0">
+                  <a:solidFill>
+                    <a:schemeClr val="bg2">
+                      <a:lumMod val="75000"/>
+                    </a:schemeClr>
+                  </a:solidFill>
+                </a:rPr>
+                <a:t>8</a:t>
+              </a:r>
+              <a:endParaRPr lang="zh-TW" altLang="en-US" sz="1400" dirty="0">
+                <a:solidFill>
+                  <a:schemeClr val="bg2">
+                    <a:lumMod val="75000"/>
+                  </a:schemeClr>
+                </a:solidFill>
+              </a:endParaRPr>
+            </a:p>
+          </p:txBody>
+        </p:sp>
+        <p:sp>
+          <p:nvSpPr>
+            <p:cNvPr id="10" name="矩形 9"/>
+            <p:cNvSpPr/>
+            <p:nvPr/>
+          </p:nvSpPr>
+          <p:spPr>
+            <a:xfrm>
+              <a:off x="6648579" y="356720"/>
+              <a:ext cx="947278" cy="132863"/>
+            </a:xfrm>
+            <a:prstGeom prst="rect">
+              <a:avLst/>
+            </a:prstGeom>
+            <a:solidFill>
+              <a:schemeClr val="bg1"/>
+            </a:solidFill>
+            <a:ln>
+              <a:solidFill>
+                <a:schemeClr val="tx1"/>
+              </a:solidFill>
+            </a:ln>
+          </p:spPr>
+          <p:style>
+            <a:lnRef idx="2">
+              <a:schemeClr val="accent1">
+                <a:shade val="50000"/>
+              </a:schemeClr>
+            </a:lnRef>
+            <a:fillRef idx="1">
+              <a:schemeClr val="accent1"/>
+            </a:fillRef>
+            <a:effectRef idx="0">
+              <a:schemeClr val="accent1"/>
+            </a:effectRef>
+            <a:fontRef idx="minor">
+              <a:schemeClr val="lt1"/>
+            </a:fontRef>
+          </p:style>
+          <p:txBody>
+            <a:bodyPr rtlCol="0" anchor="ctr"/>
+            <a:lstStyle/>
+            <a:p>
+              <a:pPr algn="ctr"/>
+              <a:r>
+                <a:rPr lang="zh-TW" altLang="en-US" sz="1400" dirty="0" smtClean="0">
+                  <a:solidFill>
+                    <a:schemeClr val="tx1"/>
+                  </a:solidFill>
+                </a:rPr>
+                <a:t>玩家列表</a:t>
+              </a:r>
+              <a:endParaRPr lang="zh-TW" altLang="en-US" sz="1400" dirty="0">
+                <a:solidFill>
+                  <a:schemeClr val="tx1"/>
+                </a:solidFill>
+              </a:endParaRPr>
+            </a:p>
+          </p:txBody>
+        </p:sp>
+      </p:grpSp>
+      <p:grpSp>
+        <p:nvGrpSpPr>
+          <p:cNvPr id="11" name="群組 10"/>
+          <p:cNvGrpSpPr/>
+          <p:nvPr/>
+        </p:nvGrpSpPr>
+        <p:grpSpPr>
+          <a:xfrm>
+            <a:off x="8769790" y="5758074"/>
+            <a:ext cx="3422210" cy="358971"/>
+            <a:chOff x="5888736" y="5321808"/>
+            <a:chExt cx="5998464" cy="658368"/>
+          </a:xfrm>
+        </p:grpSpPr>
+        <p:sp>
+          <p:nvSpPr>
+            <p:cNvPr id="12" name="矩形 11"/>
+            <p:cNvSpPr/>
+            <p:nvPr/>
+          </p:nvSpPr>
+          <p:spPr>
+            <a:xfrm>
+              <a:off x="5888736" y="5321808"/>
+              <a:ext cx="5998464" cy="658368"/>
+            </a:xfrm>
+            <a:prstGeom prst="rect">
+              <a:avLst/>
+            </a:prstGeom>
+            <a:solidFill>
+              <a:schemeClr val="bg1"/>
+            </a:solidFill>
+            <a:ln>
+              <a:solidFill>
+                <a:schemeClr val="tx1"/>
+              </a:solidFill>
+            </a:ln>
+          </p:spPr>
+          <p:style>
+            <a:lnRef idx="2">
+              <a:schemeClr val="accent1">
+                <a:shade val="50000"/>
+              </a:schemeClr>
+            </a:lnRef>
+            <a:fillRef idx="1">
+              <a:schemeClr val="accent1"/>
+            </a:fillRef>
+            <a:effectRef idx="0">
+              <a:schemeClr val="accent1"/>
+            </a:effectRef>
+            <a:fontRef idx="minor">
+              <a:schemeClr val="lt1"/>
+            </a:fontRef>
+          </p:style>
+          <p:txBody>
+            <a:bodyPr rtlCol="0" anchor="ctr"/>
+            <a:lstStyle/>
+            <a:p>
+              <a:r>
+                <a:rPr lang="zh-TW" altLang="en-US" sz="1400" dirty="0" smtClean="0">
+                  <a:solidFill>
+                    <a:schemeClr val="bg1">
+                      <a:lumMod val="65000"/>
+                    </a:schemeClr>
+                  </a:solidFill>
+                </a:rPr>
+                <a:t>打點什麼</a:t>
+              </a:r>
+              <a:r>
+                <a:rPr lang="en-US" altLang="zh-TW" sz="1400" dirty="0" smtClean="0">
+                  <a:solidFill>
+                    <a:schemeClr val="bg1">
+                      <a:lumMod val="65000"/>
+                    </a:schemeClr>
+                  </a:solidFill>
+                </a:rPr>
+                <a:t>…</a:t>
+              </a:r>
+              <a:endParaRPr lang="zh-TW" altLang="en-US" sz="1400" dirty="0">
+                <a:solidFill>
+                  <a:schemeClr val="bg1">
+                    <a:lumMod val="65000"/>
+                  </a:schemeClr>
+                </a:solidFill>
+              </a:endParaRPr>
+            </a:p>
+          </p:txBody>
+        </p:sp>
+        <p:sp>
+          <p:nvSpPr>
+            <p:cNvPr id="13" name="圓角矩形 12"/>
+            <p:cNvSpPr/>
+            <p:nvPr/>
+          </p:nvSpPr>
+          <p:spPr>
+            <a:xfrm>
+              <a:off x="11044078" y="5376672"/>
+              <a:ext cx="804672" cy="548640"/>
+            </a:xfrm>
+            <a:prstGeom prst="roundRect">
+              <a:avLst/>
+            </a:prstGeom>
+            <a:solidFill>
+              <a:schemeClr val="bg1"/>
+            </a:solidFill>
+            <a:ln>
+              <a:solidFill>
+                <a:srgbClr val="0070C0"/>
+              </a:solidFill>
+            </a:ln>
+          </p:spPr>
+          <p:style>
+            <a:lnRef idx="2">
+              <a:schemeClr val="accent1">
+                <a:shade val="50000"/>
+              </a:schemeClr>
+            </a:lnRef>
+            <a:fillRef idx="1">
+              <a:schemeClr val="accent1"/>
+            </a:fillRef>
+            <a:effectRef idx="0">
+              <a:schemeClr val="accent1"/>
+            </a:effectRef>
+            <a:fontRef idx="minor">
+              <a:schemeClr val="lt1"/>
+            </a:fontRef>
+          </p:style>
+          <p:txBody>
+            <a:bodyPr rtlCol="0" anchor="ctr"/>
+            <a:lstStyle/>
+            <a:p>
+              <a:pPr algn="ctr"/>
+              <a:endParaRPr lang="zh-TW" altLang="en-US" sz="1400"/>
+            </a:p>
+          </p:txBody>
+        </p:sp>
+        <p:pic>
+          <p:nvPicPr>
+            <p:cNvPr id="14" name="圖片 13"/>
+            <p:cNvPicPr>
+              <a:picLocks noChangeAspect="1"/>
+            </p:cNvPicPr>
+            <p:nvPr/>
+          </p:nvPicPr>
+          <p:blipFill>
+            <a:blip r:embed="rId2"/>
+            <a:stretch>
+              <a:fillRect/>
+            </a:stretch>
+          </p:blipFill>
+          <p:spPr>
+            <a:xfrm rot="10800000">
+              <a:off x="11044078" y="5470791"/>
+              <a:ext cx="706877" cy="397859"/>
+            </a:xfrm>
+            <a:prstGeom prst="rect">
+              <a:avLst/>
+            </a:prstGeom>
+          </p:spPr>
+        </p:pic>
+      </p:grpSp>
+      <p:sp>
+        <p:nvSpPr>
+          <p:cNvPr id="15" name="圓角矩形 14"/>
+          <p:cNvSpPr/>
+          <p:nvPr/>
+        </p:nvSpPr>
+        <p:spPr>
+          <a:xfrm>
+            <a:off x="10957944" y="6203869"/>
+            <a:ext cx="1156326" cy="372408"/>
+          </a:xfrm>
+          <a:prstGeom prst="roundRect">
+            <a:avLst/>
+          </a:prstGeom>
+          <a:solidFill>
+            <a:srgbClr val="FF9797"/>
+          </a:solidFill>
+        </p:spPr>
+        <p:style>
+          <a:lnRef idx="2">
+            <a:schemeClr val="accent1">
+              <a:shade val="50000"/>
+            </a:schemeClr>
+          </a:lnRef>
+          <a:fillRef idx="1">
+            <a:schemeClr val="accent1"/>
+          </a:fillRef>
+          <a:effectRef idx="0">
+            <a:schemeClr val="accent1"/>
+          </a:effectRef>
+          <a:fontRef idx="minor">
+            <a:schemeClr val="lt1"/>
+          </a:fontRef>
+        </p:style>
+        <p:txBody>
+          <a:bodyPr rtlCol="0" anchor="ctr"/>
+          <a:lstStyle/>
+          <a:p>
+            <a:pPr algn="ctr"/>
+            <a:r>
+              <a:rPr lang="zh-TW" altLang="en-US" sz="1400" dirty="0" smtClean="0">
+                <a:solidFill>
+                  <a:srgbClr val="002060"/>
+                </a:solidFill>
+                <a:latin typeface="+mn-ea"/>
+              </a:rPr>
+              <a:t>退出</a:t>
+            </a:r>
+            <a:endParaRPr lang="zh-TW" altLang="en-US" sz="1400" dirty="0">
+              <a:solidFill>
+                <a:srgbClr val="002060"/>
+              </a:solidFill>
+              <a:latin typeface="+mn-ea"/>
+            </a:endParaRPr>
+          </a:p>
+        </p:txBody>
+      </p:sp>
+      <p:sp>
+        <p:nvSpPr>
+          <p:cNvPr id="16" name="圓角矩形 15"/>
+          <p:cNvSpPr/>
+          <p:nvPr/>
+        </p:nvSpPr>
+        <p:spPr>
+          <a:xfrm>
+            <a:off x="8769790" y="6216242"/>
+            <a:ext cx="1156326" cy="372408"/>
           </a:xfrm>
           <a:prstGeom prst="roundRect">
             <a:avLst/>
@@ -4837,7 +5261,7 @@
           <a:p>
             <a:pPr algn="ctr"/>
             <a:r>
-              <a:rPr lang="zh-TW" altLang="en-US" dirty="0" smtClean="0">
+              <a:rPr lang="zh-TW" altLang="en-US" sz="1400" dirty="0" smtClean="0">
                 <a:solidFill>
                   <a:srgbClr val="002060"/>
                 </a:solidFill>
@@ -4845,7 +5269,7 @@
               </a:rPr>
               <a:t>開始遊戲</a:t>
             </a:r>
-            <a:endParaRPr lang="zh-TW" altLang="en-US" dirty="0">
+            <a:endParaRPr lang="zh-TW" altLang="en-US" sz="1400" dirty="0">
               <a:solidFill>
                 <a:srgbClr val="002060"/>
               </a:solidFill>
@@ -4854,48 +5278,447 @@
           </a:p>
         </p:txBody>
       </p:sp>
-      <p:cxnSp>
-        <p:nvCxnSpPr>
-          <p:cNvPr id="43" name="肘形接點 42"/>
-          <p:cNvCxnSpPr/>
+      <p:sp>
+        <p:nvSpPr>
+          <p:cNvPr id="26" name="圓角矩形 25"/>
+          <p:cNvSpPr/>
           <p:nvPr/>
-        </p:nvCxnSpPr>
+        </p:nvSpPr>
         <p:spPr>
-          <a:xfrm rot="5400000">
-            <a:off x="804458" y="2066761"/>
-            <a:ext cx="6858000" cy="2724479"/>
+          <a:xfrm>
+            <a:off x="10901628" y="809120"/>
+            <a:ext cx="1268436" cy="418417"/>
           </a:xfrm>
-          <a:prstGeom prst="bentConnector3">
-            <a:avLst>
-              <a:gd name="adj1" fmla="val 78130"/>
-            </a:avLst>
+          <a:prstGeom prst="roundRect">
+            <a:avLst/>
           </a:prstGeom>
-          <a:ln w="19050">
+          <a:solidFill>
+            <a:schemeClr val="bg1"/>
+          </a:solidFill>
+          <a:ln>
             <a:solidFill>
               <a:schemeClr val="tx1"/>
             </a:solidFill>
-            <a:prstDash val="lgDash"/>
           </a:ln>
         </p:spPr>
         <p:style>
-          <a:lnRef idx="1">
-            <a:schemeClr val="accent1"/>
+          <a:lnRef idx="2">
+            <a:schemeClr val="accent1">
+              <a:shade val="50000"/>
+            </a:schemeClr>
           </a:lnRef>
-          <a:fillRef idx="0">
+          <a:fillRef idx="1">
             <a:schemeClr val="accent1"/>
           </a:fillRef>
           <a:effectRef idx="0">
             <a:schemeClr val="accent1"/>
           </a:effectRef>
           <a:fontRef idx="minor">
-            <a:schemeClr val="tx1"/>
+            <a:schemeClr val="lt1"/>
           </a:fontRef>
         </p:style>
-      </p:cxnSp>
+        <p:txBody>
+          <a:bodyPr rtlCol="0" anchor="ctr"/>
+          <a:lstStyle/>
+          <a:p>
+            <a:pPr algn="ctr"/>
+            <a:r>
+              <a:rPr lang="en-US" altLang="zh-TW" sz="1000" dirty="0" smtClean="0">
+                <a:solidFill>
+                  <a:schemeClr val="bg1">
+                    <a:lumMod val="75000"/>
+                  </a:schemeClr>
+                </a:solidFill>
+              </a:rPr>
+              <a:t>#201594</a:t>
+            </a:r>
+            <a:endParaRPr lang="zh-TW" altLang="en-US" sz="1000" dirty="0">
+              <a:solidFill>
+                <a:schemeClr val="bg1">
+                  <a:lumMod val="75000"/>
+                </a:schemeClr>
+              </a:solidFill>
+            </a:endParaRPr>
+          </a:p>
+        </p:txBody>
+      </p:sp>
+      <p:sp>
+        <p:nvSpPr>
+          <p:cNvPr id="27" name="圓角矩形 26"/>
+          <p:cNvSpPr/>
+          <p:nvPr/>
+        </p:nvSpPr>
+        <p:spPr>
+          <a:xfrm>
+            <a:off x="10561866" y="809360"/>
+            <a:ext cx="509640" cy="418177"/>
+          </a:xfrm>
+          <a:prstGeom prst="roundRect">
+            <a:avLst/>
+          </a:prstGeom>
+          <a:solidFill>
+            <a:schemeClr val="bg1">
+              <a:lumMod val="85000"/>
+            </a:schemeClr>
+          </a:solidFill>
+        </p:spPr>
+        <p:style>
+          <a:lnRef idx="2">
+            <a:schemeClr val="accent1">
+              <a:shade val="50000"/>
+            </a:schemeClr>
+          </a:lnRef>
+          <a:fillRef idx="1">
+            <a:schemeClr val="accent1"/>
+          </a:fillRef>
+          <a:effectRef idx="0">
+            <a:schemeClr val="accent1"/>
+          </a:effectRef>
+          <a:fontRef idx="minor">
+            <a:schemeClr val="lt1"/>
+          </a:fontRef>
+        </p:style>
+        <p:txBody>
+          <a:bodyPr rtlCol="0" anchor="ctr"/>
+          <a:lstStyle/>
+          <a:p>
+            <a:pPr algn="ctr"/>
+            <a:r>
+              <a:rPr lang="zh-TW" altLang="en-US" sz="1000" dirty="0" smtClean="0">
+                <a:solidFill>
+                  <a:schemeClr val="tx1"/>
+                </a:solidFill>
+              </a:rPr>
+              <a:t>房間</a:t>
+            </a:r>
+            <a:endParaRPr lang="zh-TW" altLang="en-US" sz="1000" dirty="0">
+              <a:solidFill>
+                <a:schemeClr val="tx1"/>
+              </a:solidFill>
+            </a:endParaRPr>
+          </a:p>
+        </p:txBody>
+      </p:sp>
+      <p:sp>
+        <p:nvSpPr>
+          <p:cNvPr id="28" name="圓角矩形 27"/>
+          <p:cNvSpPr/>
+          <p:nvPr/>
+        </p:nvSpPr>
+        <p:spPr>
+          <a:xfrm>
+            <a:off x="9222918" y="809120"/>
+            <a:ext cx="1268436" cy="418417"/>
+          </a:xfrm>
+          <a:prstGeom prst="roundRect">
+            <a:avLst/>
+          </a:prstGeom>
+          <a:solidFill>
+            <a:schemeClr val="bg1"/>
+          </a:solidFill>
+          <a:ln>
+            <a:solidFill>
+              <a:schemeClr val="tx1"/>
+            </a:solidFill>
+          </a:ln>
+        </p:spPr>
+        <p:style>
+          <a:lnRef idx="2">
+            <a:schemeClr val="accent1">
+              <a:shade val="50000"/>
+            </a:schemeClr>
+          </a:lnRef>
+          <a:fillRef idx="1">
+            <a:schemeClr val="accent1"/>
+          </a:fillRef>
+          <a:effectRef idx="0">
+            <a:schemeClr val="accent1"/>
+          </a:effectRef>
+          <a:fontRef idx="minor">
+            <a:schemeClr val="lt1"/>
+          </a:fontRef>
+        </p:style>
+        <p:txBody>
+          <a:bodyPr rtlCol="0" anchor="ctr"/>
+          <a:lstStyle/>
+          <a:p>
+            <a:pPr algn="ctr"/>
+            <a:r>
+              <a:rPr lang="zh-TW" altLang="en-US" sz="1000" dirty="0" smtClean="0">
+                <a:solidFill>
+                  <a:schemeClr val="bg1">
+                    <a:lumMod val="75000"/>
+                  </a:schemeClr>
+                </a:solidFill>
+              </a:rPr>
+              <a:t>玩家</a:t>
+            </a:r>
+            <a:r>
+              <a:rPr lang="en-US" altLang="zh-TW" sz="1000" dirty="0" smtClean="0">
+                <a:solidFill>
+                  <a:schemeClr val="bg1">
+                    <a:lumMod val="75000"/>
+                  </a:schemeClr>
+                </a:solidFill>
+              </a:rPr>
+              <a:t>1</a:t>
+            </a:r>
+            <a:endParaRPr lang="zh-TW" altLang="en-US" sz="1000" dirty="0">
+              <a:solidFill>
+                <a:schemeClr val="bg1">
+                  <a:lumMod val="75000"/>
+                </a:schemeClr>
+              </a:solidFill>
+            </a:endParaRPr>
+          </a:p>
+        </p:txBody>
+      </p:sp>
+      <p:sp>
+        <p:nvSpPr>
+          <p:cNvPr id="29" name="圓角矩形 28"/>
+          <p:cNvSpPr/>
+          <p:nvPr/>
+        </p:nvSpPr>
+        <p:spPr>
+          <a:xfrm>
+            <a:off x="8883156" y="809361"/>
+            <a:ext cx="509640" cy="418177"/>
+          </a:xfrm>
+          <a:prstGeom prst="roundRect">
+            <a:avLst/>
+          </a:prstGeom>
+          <a:solidFill>
+            <a:schemeClr val="bg1">
+              <a:lumMod val="85000"/>
+            </a:schemeClr>
+          </a:solidFill>
+        </p:spPr>
+        <p:style>
+          <a:lnRef idx="2">
+            <a:schemeClr val="accent1">
+              <a:shade val="50000"/>
+            </a:schemeClr>
+          </a:lnRef>
+          <a:fillRef idx="1">
+            <a:schemeClr val="accent1"/>
+          </a:fillRef>
+          <a:effectRef idx="0">
+            <a:schemeClr val="accent1"/>
+          </a:effectRef>
+          <a:fontRef idx="minor">
+            <a:schemeClr val="lt1"/>
+          </a:fontRef>
+        </p:style>
+        <p:txBody>
+          <a:bodyPr rtlCol="0" anchor="ctr"/>
+          <a:lstStyle/>
+          <a:p>
+            <a:pPr algn="ctr"/>
+            <a:r>
+              <a:rPr lang="zh-TW" altLang="en-US" sz="1000" dirty="0" smtClean="0">
+                <a:solidFill>
+                  <a:schemeClr val="tx1"/>
+                </a:solidFill>
+              </a:rPr>
+              <a:t>名</a:t>
+            </a:r>
+            <a:r>
+              <a:rPr lang="zh-TW" altLang="en-US" sz="1000" dirty="0">
+                <a:solidFill>
+                  <a:schemeClr val="tx1"/>
+                </a:solidFill>
+              </a:rPr>
+              <a:t>字</a:t>
+            </a:r>
+          </a:p>
+        </p:txBody>
+      </p:sp>
+      <p:sp>
+        <p:nvSpPr>
+          <p:cNvPr id="30" name="橢圓 29"/>
+          <p:cNvSpPr/>
+          <p:nvPr/>
+        </p:nvSpPr>
+        <p:spPr>
+          <a:xfrm>
+            <a:off x="7892441" y="451429"/>
+            <a:ext cx="717405" cy="707304"/>
+          </a:xfrm>
+          <a:prstGeom prst="ellipse">
+            <a:avLst/>
+          </a:prstGeom>
+          <a:solidFill>
+            <a:schemeClr val="bg1">
+              <a:lumMod val="85000"/>
+            </a:schemeClr>
+          </a:solidFill>
+          <a:ln w="19050">
+            <a:solidFill>
+              <a:schemeClr val="tx1"/>
+            </a:solidFill>
+          </a:ln>
+        </p:spPr>
+        <p:style>
+          <a:lnRef idx="2">
+            <a:schemeClr val="accent1">
+              <a:shade val="50000"/>
+            </a:schemeClr>
+          </a:lnRef>
+          <a:fillRef idx="1">
+            <a:schemeClr val="accent1"/>
+          </a:fillRef>
+          <a:effectRef idx="0">
+            <a:schemeClr val="accent1"/>
+          </a:effectRef>
+          <a:fontRef idx="minor">
+            <a:schemeClr val="lt1"/>
+          </a:fontRef>
+        </p:style>
+        <p:txBody>
+          <a:bodyPr rtlCol="0" anchor="ctr"/>
+          <a:lstStyle/>
+          <a:p>
+            <a:pPr algn="ctr"/>
+            <a:r>
+              <a:rPr lang="zh-TW" altLang="en-US" sz="1200" dirty="0" smtClean="0">
+                <a:solidFill>
+                  <a:schemeClr val="tx1"/>
+                </a:solidFill>
+              </a:rPr>
+              <a:t>頭像</a:t>
+            </a:r>
+            <a:endParaRPr lang="zh-TW" altLang="en-US" sz="1200" dirty="0">
+              <a:solidFill>
+                <a:schemeClr val="tx1"/>
+              </a:solidFill>
+            </a:endParaRPr>
+          </a:p>
+        </p:txBody>
+      </p:sp>
+      <p:sp>
+        <p:nvSpPr>
+          <p:cNvPr id="31" name="矩形 30"/>
+          <p:cNvSpPr/>
+          <p:nvPr/>
+        </p:nvSpPr>
+        <p:spPr>
+          <a:xfrm>
+            <a:off x="0" y="0"/>
+            <a:ext cx="7686392" cy="6858000"/>
+          </a:xfrm>
+          <a:prstGeom prst="rect">
+            <a:avLst/>
+          </a:prstGeom>
+          <a:solidFill>
+            <a:schemeClr val="bg1">
+              <a:lumMod val="75000"/>
+            </a:schemeClr>
+          </a:solidFill>
+        </p:spPr>
+        <p:style>
+          <a:lnRef idx="2">
+            <a:schemeClr val="accent1">
+              <a:shade val="50000"/>
+            </a:schemeClr>
+          </a:lnRef>
+          <a:fillRef idx="1">
+            <a:schemeClr val="accent1"/>
+          </a:fillRef>
+          <a:effectRef idx="0">
+            <a:schemeClr val="accent1"/>
+          </a:effectRef>
+          <a:fontRef idx="minor">
+            <a:schemeClr val="lt1"/>
+          </a:fontRef>
+        </p:style>
+        <p:txBody>
+          <a:bodyPr rtlCol="0" anchor="ctr"/>
+          <a:lstStyle/>
+          <a:p>
+            <a:pPr algn="ctr"/>
+            <a:r>
+              <a:rPr lang="zh-TW" altLang="en-US" dirty="0" smtClean="0">
+                <a:solidFill>
+                  <a:schemeClr val="tx1"/>
+                </a:solidFill>
+              </a:rPr>
+              <a:t>遊戲桌布</a:t>
+            </a:r>
+            <a:endParaRPr lang="zh-TW" altLang="en-US" dirty="0">
+              <a:solidFill>
+                <a:schemeClr val="tx1"/>
+              </a:solidFill>
+            </a:endParaRPr>
+          </a:p>
+        </p:txBody>
+      </p:sp>
+      <p:sp>
+        <p:nvSpPr>
+          <p:cNvPr id="33" name="圓角矩形 32"/>
+          <p:cNvSpPr/>
+          <p:nvPr/>
+        </p:nvSpPr>
+        <p:spPr>
+          <a:xfrm>
+            <a:off x="8407582" y="223567"/>
+            <a:ext cx="509640" cy="418177"/>
+          </a:xfrm>
+          <a:prstGeom prst="roundRect">
+            <a:avLst/>
+          </a:prstGeom>
+          <a:solidFill>
+            <a:schemeClr val="accent4">
+              <a:lumMod val="40000"/>
+              <a:lumOff val="60000"/>
+            </a:schemeClr>
+          </a:solidFill>
+          <a:ln>
+            <a:solidFill>
+              <a:schemeClr val="tx1"/>
+            </a:solidFill>
+          </a:ln>
+        </p:spPr>
+        <p:style>
+          <a:lnRef idx="2">
+            <a:schemeClr val="accent1">
+              <a:shade val="50000"/>
+            </a:schemeClr>
+          </a:lnRef>
+          <a:fillRef idx="1">
+            <a:schemeClr val="accent1"/>
+          </a:fillRef>
+          <a:effectRef idx="0">
+            <a:schemeClr val="accent1"/>
+          </a:effectRef>
+          <a:fontRef idx="minor">
+            <a:schemeClr val="lt1"/>
+          </a:fontRef>
+        </p:style>
+        <p:txBody>
+          <a:bodyPr rtlCol="0" anchor="ctr"/>
+          <a:lstStyle/>
+          <a:p>
+            <a:pPr algn="ctr"/>
+            <a:r>
+              <a:rPr lang="zh-TW" altLang="en-US" sz="1000" dirty="0" smtClean="0">
+                <a:solidFill>
+                  <a:schemeClr val="tx1"/>
+                </a:solidFill>
+              </a:rPr>
+              <a:t>房長</a:t>
+            </a:r>
+            <a:endParaRPr lang="zh-TW" altLang="en-US" sz="1000" dirty="0">
+              <a:solidFill>
+                <a:schemeClr val="tx1"/>
+              </a:solidFill>
+            </a:endParaRPr>
+          </a:p>
+        </p:txBody>
+      </p:sp>
     </p:spTree>
     <p:extLst>
       <p:ext uri="{BB962C8B-B14F-4D97-AF65-F5344CB8AC3E}">
-        <p14:creationId xmlns:p14="http://schemas.microsoft.com/office/powerpoint/2010/main" val="4058343426"/>
+        <p14:creationId xmlns:p14="http://schemas.microsoft.com/office/powerpoint/2010/main" val="1778638870"/>
       </p:ext>
     </p:extLst>
   </p:cSld>
